--- a/OS-Neutron-OVS-Agent.pptx
+++ b/OS-Neutron-OVS-Agent.pptx
@@ -235,7 +235,7 @@
           <a:p>
             <a:fld id="{8B86FA49-505F-4E54-91CF-4E1982EE5D60}" type="datetimeFigureOut">
               <a:rPr lang="en-US" smtClean="0"/>
-              <a:t>8/5/2015</a:t>
+              <a:t>8/7/2015</a:t>
             </a:fld>
             <a:endParaRPr lang="en-US"/>
           </a:p>
@@ -1496,7 +1496,7 @@
             <a:fld id="{1D8BD707-D9CF-40AE-B4C6-C98DA3205C09}" type="datetimeFigureOut">
               <a:rPr lang="en-US" smtClean="0"/>
               <a:pPr/>
-              <a:t>8/5/2015</a:t>
+              <a:t>8/7/2015</a:t>
             </a:fld>
             <a:endParaRPr lang="en-US"/>
           </a:p>
@@ -1663,7 +1663,7 @@
             <a:fld id="{1D8BD707-D9CF-40AE-B4C6-C98DA3205C09}" type="datetimeFigureOut">
               <a:rPr lang="en-US" smtClean="0"/>
               <a:pPr/>
-              <a:t>8/5/2015</a:t>
+              <a:t>8/7/2015</a:t>
             </a:fld>
             <a:endParaRPr lang="en-US"/>
           </a:p>
@@ -1840,7 +1840,7 @@
             <a:fld id="{1D8BD707-D9CF-40AE-B4C6-C98DA3205C09}" type="datetimeFigureOut">
               <a:rPr lang="en-US" smtClean="0"/>
               <a:pPr/>
-              <a:t>8/5/2015</a:t>
+              <a:t>8/7/2015</a:t>
             </a:fld>
             <a:endParaRPr lang="en-US"/>
           </a:p>
@@ -2007,7 +2007,7 @@
             <a:fld id="{1D8BD707-D9CF-40AE-B4C6-C98DA3205C09}" type="datetimeFigureOut">
               <a:rPr lang="en-US" smtClean="0"/>
               <a:pPr/>
-              <a:t>8/5/2015</a:t>
+              <a:t>8/7/2015</a:t>
             </a:fld>
             <a:endParaRPr lang="en-US"/>
           </a:p>
@@ -2250,7 +2250,7 @@
             <a:fld id="{1D8BD707-D9CF-40AE-B4C6-C98DA3205C09}" type="datetimeFigureOut">
               <a:rPr lang="en-US" smtClean="0"/>
               <a:pPr/>
-              <a:t>8/5/2015</a:t>
+              <a:t>8/7/2015</a:t>
             </a:fld>
             <a:endParaRPr lang="en-US"/>
           </a:p>
@@ -2535,7 +2535,7 @@
             <a:fld id="{1D8BD707-D9CF-40AE-B4C6-C98DA3205C09}" type="datetimeFigureOut">
               <a:rPr lang="en-US" smtClean="0"/>
               <a:pPr/>
-              <a:t>8/5/2015</a:t>
+              <a:t>8/7/2015</a:t>
             </a:fld>
             <a:endParaRPr lang="en-US"/>
           </a:p>
@@ -2954,7 +2954,7 @@
             <a:fld id="{1D8BD707-D9CF-40AE-B4C6-C98DA3205C09}" type="datetimeFigureOut">
               <a:rPr lang="en-US" smtClean="0"/>
               <a:pPr/>
-              <a:t>8/5/2015</a:t>
+              <a:t>8/7/2015</a:t>
             </a:fld>
             <a:endParaRPr lang="en-US"/>
           </a:p>
@@ -3069,7 +3069,7 @@
             <a:fld id="{1D8BD707-D9CF-40AE-B4C6-C98DA3205C09}" type="datetimeFigureOut">
               <a:rPr lang="en-US" smtClean="0"/>
               <a:pPr/>
-              <a:t>8/5/2015</a:t>
+              <a:t>8/7/2015</a:t>
             </a:fld>
             <a:endParaRPr lang="en-US"/>
           </a:p>
@@ -3161,7 +3161,7 @@
             <a:fld id="{1D8BD707-D9CF-40AE-B4C6-C98DA3205C09}" type="datetimeFigureOut">
               <a:rPr lang="en-US" smtClean="0"/>
               <a:pPr/>
-              <a:t>8/5/2015</a:t>
+              <a:t>8/7/2015</a:t>
             </a:fld>
             <a:endParaRPr lang="en-US"/>
           </a:p>
@@ -3435,7 +3435,7 @@
             <a:fld id="{1D8BD707-D9CF-40AE-B4C6-C98DA3205C09}" type="datetimeFigureOut">
               <a:rPr lang="en-US" smtClean="0"/>
               <a:pPr/>
-              <a:t>8/5/2015</a:t>
+              <a:t>8/7/2015</a:t>
             </a:fld>
             <a:endParaRPr lang="en-US"/>
           </a:p>
@@ -3685,7 +3685,7 @@
             <a:fld id="{1D8BD707-D9CF-40AE-B4C6-C98DA3205C09}" type="datetimeFigureOut">
               <a:rPr lang="en-US" smtClean="0"/>
               <a:pPr/>
-              <a:t>8/5/2015</a:t>
+              <a:t>8/7/2015</a:t>
             </a:fld>
             <a:endParaRPr lang="en-US"/>
           </a:p>
@@ -3895,7 +3895,7 @@
             <a:fld id="{1D8BD707-D9CF-40AE-B4C6-C98DA3205C09}" type="datetimeFigureOut">
               <a:rPr lang="en-US" smtClean="0"/>
               <a:pPr/>
-              <a:t>8/5/2015</a:t>
+              <a:t>8/7/2015</a:t>
             </a:fld>
             <a:endParaRPr lang="en-US"/>
           </a:p>
@@ -4283,7 +4283,7 @@
           <a:p>
             <a:r>
               <a:rPr lang="en-US" dirty="0" smtClean="0"/>
-              <a:t>Neutron </a:t>
+              <a:t>Openstack Neutron: </a:t>
             </a:r>
             <a:r>
               <a:rPr lang="en-US" dirty="0" err="1" smtClean="0"/>
@@ -4312,6 +4312,14 @@
           <a:bodyPr/>
           <a:lstStyle/>
           <a:p>
+            <a:r>
+              <a:rPr lang="en-US" dirty="0" smtClean="0"/>
+              <a:t>Sridhar K. N. </a:t>
+            </a:r>
+            <a:r>
+              <a:rPr lang="en-US" smtClean="0"/>
+              <a:t>Rao</a:t>
+            </a:r>
             <a:endParaRPr lang="en-US"/>
           </a:p>
         </p:txBody>

--- a/OS-Neutron-OVS-Agent.pptx
+++ b/OS-Neutron-OVS-Agent.pptx
@@ -4287,11 +4287,15 @@
             </a:r>
             <a:r>
               <a:rPr lang="en-US" dirty="0" err="1" smtClean="0"/>
-              <a:t>Openvswitch</a:t>
+              <a:t>OpenVswitch</a:t>
             </a:r>
             <a:r>
               <a:rPr lang="en-US" dirty="0" smtClean="0"/>
-              <a:t> Agent</a:t>
+              <a:t> </a:t>
+            </a:r>
+            <a:r>
+              <a:rPr lang="en-US" dirty="0" smtClean="0"/>
+              <a:t>Agent</a:t>
             </a:r>
             <a:endParaRPr lang="en-US" dirty="0"/>
           </a:p>

--- a/OS-Neutron-OVS-Agent.pptx
+++ b/OS-Neutron-OVS-Agent.pptx
@@ -2,7 +2,7 @@
 <file path=ppt/presentation.xml><?xml version="1.0" encoding="utf-8"?>
 <p:presentation xmlns:a="http://schemas.openxmlformats.org/drawingml/2006/main" xmlns:r="http://schemas.openxmlformats.org/officeDocument/2006/relationships" xmlns:p="http://schemas.openxmlformats.org/presentationml/2006/main" saveSubsetFonts="1">
   <p:sldMasterIdLst>
-    <p:sldMasterId id="2147483648" r:id="rId1"/>
+    <p:sldMasterId id="2147483660" r:id="rId1"/>
   </p:sldMasterIdLst>
   <p:notesMasterIdLst>
     <p:notesMasterId r:id="rId46"/>
@@ -150,6 +150,22 @@
       </a:defRPr>
     </a:lvl9pPr>
   </p:defaultTextStyle>
+  <p:extLst>
+    <p:ext uri="{EFAFB233-063F-42B5-8137-9DF3F51BA10A}">
+      <p15:sldGuideLst xmlns:p15="http://schemas.microsoft.com/office/powerpoint/2012/main">
+        <p15:guide id="1" orient="horz" pos="2160">
+          <p15:clr>
+            <a:srgbClr val="A4A3A4"/>
+          </p15:clr>
+        </p15:guide>
+        <p15:guide id="2" pos="2880">
+          <p15:clr>
+            <a:srgbClr val="A4A3A4"/>
+          </p15:clr>
+        </p15:guide>
+      </p15:sldGuideLst>
+    </p:ext>
+  </p:extLst>
 </p:presentation>
 </file>
 
@@ -235,7 +251,7 @@
           <a:p>
             <a:fld id="{8B86FA49-505F-4E54-91CF-4E1982EE5D60}" type="datetimeFigureOut">
               <a:rPr lang="en-US" smtClean="0"/>
-              <a:t>8/7/2015</a:t>
+              <a:t>8/7/15</a:t>
             </a:fld>
             <a:endParaRPr lang="en-US"/>
           </a:p>
@@ -1343,19 +1359,25 @@
         </p:nvSpPr>
         <p:spPr>
           <a:xfrm>
-            <a:off x="685800" y="2130425"/>
+            <a:off x="685800" y="2130427"/>
             <a:ext cx="7772400" cy="1470025"/>
           </a:xfrm>
         </p:spPr>
         <p:txBody>
-          <a:bodyPr/>
-          <a:lstStyle/>
+          <a:bodyPr>
+            <a:normAutofit/>
+          </a:bodyPr>
+          <a:lstStyle>
+            <a:lvl1pPr algn="ctr">
+              <a:defRPr sz="3000"/>
+            </a:lvl1pPr>
+          </a:lstStyle>
           <a:p>
             <a:r>
               <a:rPr lang="en-US" smtClean="0"/>
               <a:t>Click to edit Master title style</a:t>
             </a:r>
-            <a:endParaRPr lang="en-US"/>
+            <a:endParaRPr lang="en-IN" dirty="0"/>
           </a:p>
         </p:txBody>
       </p:sp>
@@ -1388,7 +1410,7 @@
                 </a:solidFill>
               </a:defRPr>
             </a:lvl1pPr>
-            <a:lvl2pPr marL="457200" indent="0" algn="ctr">
+            <a:lvl2pPr marL="380985" indent="0" algn="ctr">
               <a:buNone/>
               <a:defRPr>
                 <a:solidFill>
@@ -1398,7 +1420,7 @@
                 </a:solidFill>
               </a:defRPr>
             </a:lvl2pPr>
-            <a:lvl3pPr marL="914400" indent="0" algn="ctr">
+            <a:lvl3pPr marL="761970" indent="0" algn="ctr">
               <a:buNone/>
               <a:defRPr>
                 <a:solidFill>
@@ -1408,7 +1430,7 @@
                 </a:solidFill>
               </a:defRPr>
             </a:lvl3pPr>
-            <a:lvl4pPr marL="1371600" indent="0" algn="ctr">
+            <a:lvl4pPr marL="1142954" indent="0" algn="ctr">
               <a:buNone/>
               <a:defRPr>
                 <a:solidFill>
@@ -1418,7 +1440,7 @@
                 </a:solidFill>
               </a:defRPr>
             </a:lvl4pPr>
-            <a:lvl5pPr marL="1828800" indent="0" algn="ctr">
+            <a:lvl5pPr marL="1523939" indent="0" algn="ctr">
               <a:buNone/>
               <a:defRPr>
                 <a:solidFill>
@@ -1428,7 +1450,7 @@
                 </a:solidFill>
               </a:defRPr>
             </a:lvl5pPr>
-            <a:lvl6pPr marL="2286000" indent="0" algn="ctr">
+            <a:lvl6pPr marL="1904924" indent="0" algn="ctr">
               <a:buNone/>
               <a:defRPr>
                 <a:solidFill>
@@ -1438,7 +1460,7 @@
                 </a:solidFill>
               </a:defRPr>
             </a:lvl6pPr>
-            <a:lvl7pPr marL="2743200" indent="0" algn="ctr">
+            <a:lvl7pPr marL="2285909" indent="0" algn="ctr">
               <a:buNone/>
               <a:defRPr>
                 <a:solidFill>
@@ -1448,7 +1470,7 @@
                 </a:solidFill>
               </a:defRPr>
             </a:lvl7pPr>
-            <a:lvl8pPr marL="3200400" indent="0" algn="ctr">
+            <a:lvl8pPr marL="2666893" indent="0" algn="ctr">
               <a:buNone/>
               <a:defRPr>
                 <a:solidFill>
@@ -1458,7 +1480,7 @@
                 </a:solidFill>
               </a:defRPr>
             </a:lvl8pPr>
-            <a:lvl9pPr marL="3657600" indent="0" algn="ctr">
+            <a:lvl9pPr marL="3047878" indent="0" algn="ctr">
               <a:buNone/>
               <a:defRPr>
                 <a:solidFill>
@@ -1474,7 +1496,7 @@
               <a:rPr lang="en-US" smtClean="0"/>
               <a:t>Click to edit Master subtitle style</a:t>
             </a:r>
-            <a:endParaRPr lang="en-US"/>
+            <a:endParaRPr lang="en-IN"/>
           </a:p>
         </p:txBody>
       </p:sp>
@@ -1496,7 +1518,7 @@
             <a:fld id="{1D8BD707-D9CF-40AE-B4C6-C98DA3205C09}" type="datetimeFigureOut">
               <a:rPr lang="en-US" smtClean="0"/>
               <a:pPr/>
-              <a:t>8/7/2015</a:t>
+              <a:t>8/7/15</a:t>
             </a:fld>
             <a:endParaRPr lang="en-US"/>
           </a:p>
@@ -1545,7 +1567,78 @@
           </a:p>
         </p:txBody>
       </p:sp>
+      <p:sp>
+        <p:nvSpPr>
+          <p:cNvPr id="7" name="Rectangle 6"/>
+          <p:cNvSpPr/>
+          <p:nvPr/>
+        </p:nvSpPr>
+        <p:spPr>
+          <a:xfrm>
+            <a:off x="9036498" y="0"/>
+            <a:ext cx="107503" cy="6858000"/>
+          </a:xfrm>
+          <a:prstGeom prst="rect">
+            <a:avLst/>
+          </a:prstGeom>
+          <a:gradFill>
+            <a:gsLst>
+              <a:gs pos="0">
+                <a:schemeClr val="accent6">
+                  <a:lumMod val="75000"/>
+                </a:schemeClr>
+              </a:gs>
+              <a:gs pos="50000">
+                <a:schemeClr val="accent6">
+                  <a:lumMod val="60000"/>
+                  <a:lumOff val="40000"/>
+                </a:schemeClr>
+              </a:gs>
+              <a:gs pos="100000">
+                <a:schemeClr val="accent6">
+                  <a:lumMod val="40000"/>
+                  <a:lumOff val="60000"/>
+                  <a:alpha val="69000"/>
+                </a:schemeClr>
+              </a:gs>
+            </a:gsLst>
+            <a:lin ang="5400000" scaled="0"/>
+          </a:gradFill>
+          <a:ln>
+            <a:noFill/>
+          </a:ln>
+        </p:spPr>
+        <p:style>
+          <a:lnRef idx="2">
+            <a:schemeClr val="accent1">
+              <a:shade val="50000"/>
+            </a:schemeClr>
+          </a:lnRef>
+          <a:fillRef idx="1">
+            <a:schemeClr val="accent1"/>
+          </a:fillRef>
+          <a:effectRef idx="0">
+            <a:schemeClr val="accent1"/>
+          </a:effectRef>
+          <a:fontRef idx="minor">
+            <a:schemeClr val="lt1"/>
+          </a:fontRef>
+        </p:style>
+        <p:txBody>
+          <a:bodyPr rtlCol="0" anchor="ctr"/>
+          <a:lstStyle/>
+          <a:p>
+            <a:pPr algn="ctr"/>
+            <a:endParaRPr lang="en-IN" sz="1167"/>
+          </a:p>
+        </p:txBody>
+      </p:sp>
     </p:spTree>
+    <p:extLst>
+      <p:ext uri="{BB962C8B-B14F-4D97-AF65-F5344CB8AC3E}">
+        <p14:creationId xmlns:p14="http://schemas.microsoft.com/office/powerpoint/2010/main" val="1337434154"/>
+      </p:ext>
+    </p:extLst>
   </p:cSld>
   <p:clrMapOvr>
     <a:masterClrMapping/>
@@ -1589,7 +1682,7 @@
               <a:rPr lang="en-US" smtClean="0"/>
               <a:t>Click to edit Master title style</a:t>
             </a:r>
-            <a:endParaRPr lang="en-US"/>
+            <a:endParaRPr lang="en-IN"/>
           </a:p>
         </p:txBody>
       </p:sp>
@@ -1641,7 +1734,7 @@
               <a:rPr lang="en-US" smtClean="0"/>
               <a:t>Fifth level</a:t>
             </a:r>
-            <a:endParaRPr lang="en-US"/>
+            <a:endParaRPr lang="en-IN"/>
           </a:p>
         </p:txBody>
       </p:sp>
@@ -1663,7 +1756,7 @@
             <a:fld id="{1D8BD707-D9CF-40AE-B4C6-C98DA3205C09}" type="datetimeFigureOut">
               <a:rPr lang="en-US" smtClean="0"/>
               <a:pPr/>
-              <a:t>8/7/2015</a:t>
+              <a:t>8/7/15</a:t>
             </a:fld>
             <a:endParaRPr lang="en-US"/>
           </a:p>
@@ -1713,6 +1806,11 @@
         </p:txBody>
       </p:sp>
     </p:spTree>
+    <p:extLst>
+      <p:ext uri="{BB962C8B-B14F-4D97-AF65-F5344CB8AC3E}">
+        <p14:creationId xmlns:p14="http://schemas.microsoft.com/office/powerpoint/2010/main" val="1724916170"/>
+      </p:ext>
+    </p:extLst>
   </p:cSld>
   <p:clrMapOvr>
     <a:masterClrMapping/>
@@ -1749,7 +1847,7 @@
         </p:nvSpPr>
         <p:spPr>
           <a:xfrm>
-            <a:off x="6629400" y="274638"/>
+            <a:off x="6629400" y="274640"/>
             <a:ext cx="2057400" cy="5851525"/>
           </a:xfrm>
         </p:spPr>
@@ -1761,7 +1859,7 @@
               <a:rPr lang="en-US" smtClean="0"/>
               <a:t>Click to edit Master title style</a:t>
             </a:r>
-            <a:endParaRPr lang="en-US"/>
+            <a:endParaRPr lang="en-IN"/>
           </a:p>
         </p:txBody>
       </p:sp>
@@ -1777,7 +1875,7 @@
         </p:nvSpPr>
         <p:spPr>
           <a:xfrm>
-            <a:off x="457200" y="274638"/>
+            <a:off x="457200" y="274640"/>
             <a:ext cx="6019800" cy="5851525"/>
           </a:xfrm>
         </p:spPr>
@@ -1818,7 +1916,7 @@
               <a:rPr lang="en-US" smtClean="0"/>
               <a:t>Fifth level</a:t>
             </a:r>
-            <a:endParaRPr lang="en-US"/>
+            <a:endParaRPr lang="en-IN"/>
           </a:p>
         </p:txBody>
       </p:sp>
@@ -1840,7 +1938,7 @@
             <a:fld id="{1D8BD707-D9CF-40AE-B4C6-C98DA3205C09}" type="datetimeFigureOut">
               <a:rPr lang="en-US" smtClean="0"/>
               <a:pPr/>
-              <a:t>8/7/2015</a:t>
+              <a:t>8/7/15</a:t>
             </a:fld>
             <a:endParaRPr lang="en-US"/>
           </a:p>
@@ -1890,6 +1988,398 @@
         </p:txBody>
       </p:sp>
     </p:spTree>
+    <p:extLst>
+      <p:ext uri="{BB962C8B-B14F-4D97-AF65-F5344CB8AC3E}">
+        <p14:creationId xmlns:p14="http://schemas.microsoft.com/office/powerpoint/2010/main" val="1444311956"/>
+      </p:ext>
+    </p:extLst>
+  </p:cSld>
+  <p:clrMapOvr>
+    <a:masterClrMapping/>
+  </p:clrMapOvr>
+</p:sldLayout>
+</file>
+
+<file path=ppt/slideLayouts/slideLayout12.xml><?xml version="1.0" encoding="utf-8"?>
+<p:sldLayout xmlns:a="http://schemas.openxmlformats.org/drawingml/2006/main" xmlns:r="http://schemas.openxmlformats.org/officeDocument/2006/relationships" xmlns:p="http://schemas.openxmlformats.org/presentationml/2006/main" type="tx">
+  <p:cSld name="Title and Body">
+    <p:spTree>
+      <p:nvGrpSpPr>
+        <p:cNvPr id="1" name="Shape 12"/>
+        <p:cNvGrpSpPr/>
+        <p:nvPr/>
+      </p:nvGrpSpPr>
+      <p:grpSpPr>
+        <a:xfrm>
+          <a:off x="0" y="0"/>
+          <a:ext cx="0" cy="0"/>
+          <a:chOff x="0" y="0"/>
+          <a:chExt cx="0" cy="0"/>
+        </a:xfrm>
+      </p:grpSpPr>
+      <p:sp>
+        <p:nvSpPr>
+          <p:cNvPr id="13" name="Shape 13"/>
+          <p:cNvSpPr txBox="1">
+            <a:spLocks noGrp="1"/>
+          </p:cNvSpPr>
+          <p:nvPr>
+            <p:ph type="title"/>
+          </p:nvPr>
+        </p:nvSpPr>
+        <p:spPr>
+          <a:xfrm>
+            <a:off x="72701" y="274636"/>
+            <a:ext cx="8951100" cy="668159"/>
+          </a:xfrm>
+          <a:prstGeom prst="rect">
+            <a:avLst/>
+          </a:prstGeom>
+        </p:spPr>
+        <p:txBody>
+          <a:bodyPr lIns="91425" tIns="91425" rIns="91425" bIns="91425" anchor="b" anchorCtr="0"/>
+          <a:lstStyle>
+            <a:lvl1pPr>
+              <a:spcBef>
+                <a:spcPts val="0"/>
+              </a:spcBef>
+              <a:buSzPct val="100000"/>
+              <a:defRPr sz="2400"/>
+            </a:lvl1pPr>
+            <a:lvl2pPr>
+              <a:spcBef>
+                <a:spcPts val="0"/>
+              </a:spcBef>
+              <a:defRPr/>
+            </a:lvl2pPr>
+            <a:lvl3pPr>
+              <a:spcBef>
+                <a:spcPts val="0"/>
+              </a:spcBef>
+              <a:defRPr/>
+            </a:lvl3pPr>
+            <a:lvl4pPr>
+              <a:spcBef>
+                <a:spcPts val="0"/>
+              </a:spcBef>
+              <a:defRPr/>
+            </a:lvl4pPr>
+            <a:lvl5pPr>
+              <a:spcBef>
+                <a:spcPts val="0"/>
+              </a:spcBef>
+              <a:defRPr/>
+            </a:lvl5pPr>
+            <a:lvl6pPr>
+              <a:spcBef>
+                <a:spcPts val="0"/>
+              </a:spcBef>
+              <a:defRPr/>
+            </a:lvl6pPr>
+            <a:lvl7pPr>
+              <a:spcBef>
+                <a:spcPts val="0"/>
+              </a:spcBef>
+              <a:defRPr/>
+            </a:lvl7pPr>
+            <a:lvl8pPr>
+              <a:spcBef>
+                <a:spcPts val="0"/>
+              </a:spcBef>
+              <a:defRPr/>
+            </a:lvl8pPr>
+            <a:lvl9pPr>
+              <a:spcBef>
+                <a:spcPts val="0"/>
+              </a:spcBef>
+              <a:defRPr/>
+            </a:lvl9pPr>
+          </a:lstStyle>
+          <a:p>
+            <a:r>
+              <a:rPr lang="en-US" smtClean="0"/>
+              <a:t>Click to edit Master title style</a:t>
+            </a:r>
+            <a:endParaRPr/>
+          </a:p>
+        </p:txBody>
+      </p:sp>
+      <p:sp>
+        <p:nvSpPr>
+          <p:cNvPr id="14" name="Shape 14"/>
+          <p:cNvSpPr txBox="1">
+            <a:spLocks noGrp="1"/>
+          </p:cNvSpPr>
+          <p:nvPr>
+            <p:ph type="body" idx="1"/>
+          </p:nvPr>
+        </p:nvSpPr>
+        <p:spPr>
+          <a:xfrm>
+            <a:off x="72701" y="942632"/>
+            <a:ext cx="8951100" cy="5625360"/>
+          </a:xfrm>
+          <a:prstGeom prst="rect">
+            <a:avLst/>
+          </a:prstGeom>
+        </p:spPr>
+        <p:txBody>
+          <a:bodyPr lIns="91425" tIns="91425" rIns="91425" bIns="91425" anchor="t" anchorCtr="0"/>
+          <a:lstStyle>
+            <a:lvl1pPr>
+              <a:spcBef>
+                <a:spcPts val="0"/>
+              </a:spcBef>
+              <a:buSzPct val="100000"/>
+              <a:defRPr sz="2000"/>
+            </a:lvl1pPr>
+            <a:lvl2pPr>
+              <a:spcBef>
+                <a:spcPts val="0"/>
+              </a:spcBef>
+              <a:buSzPct val="100000"/>
+              <a:defRPr sz="1800"/>
+            </a:lvl2pPr>
+            <a:lvl3pPr>
+              <a:spcBef>
+                <a:spcPts val="0"/>
+              </a:spcBef>
+              <a:buSzPct val="100000"/>
+              <a:defRPr sz="1600"/>
+            </a:lvl3pPr>
+            <a:lvl4pPr>
+              <a:spcBef>
+                <a:spcPts val="0"/>
+              </a:spcBef>
+              <a:buSzPct val="100000"/>
+              <a:defRPr sz="1400"/>
+            </a:lvl4pPr>
+            <a:lvl5pPr>
+              <a:spcBef>
+                <a:spcPts val="0"/>
+              </a:spcBef>
+              <a:buSzPct val="100000"/>
+              <a:defRPr sz="1200"/>
+            </a:lvl5pPr>
+            <a:lvl6pPr>
+              <a:spcBef>
+                <a:spcPts val="0"/>
+              </a:spcBef>
+              <a:buSzPct val="100000"/>
+              <a:defRPr sz="1000"/>
+            </a:lvl6pPr>
+            <a:lvl7pPr>
+              <a:spcBef>
+                <a:spcPts val="0"/>
+              </a:spcBef>
+              <a:buSzPct val="100000"/>
+              <a:defRPr sz="1000"/>
+            </a:lvl7pPr>
+            <a:lvl8pPr>
+              <a:spcBef>
+                <a:spcPts val="0"/>
+              </a:spcBef>
+              <a:buSzPct val="100000"/>
+              <a:defRPr sz="1000"/>
+            </a:lvl8pPr>
+            <a:lvl9pPr>
+              <a:spcBef>
+                <a:spcPts val="0"/>
+              </a:spcBef>
+              <a:buSzPct val="100000"/>
+              <a:defRPr sz="800"/>
+            </a:lvl9pPr>
+          </a:lstStyle>
+          <a:p>
+            <a:pPr lvl="0"/>
+            <a:r>
+              <a:rPr lang="en-US" smtClean="0"/>
+              <a:t>Click to edit Master text styles</a:t>
+            </a:r>
+          </a:p>
+        </p:txBody>
+      </p:sp>
+      <p:sp>
+        <p:nvSpPr>
+          <p:cNvPr id="15" name="Shape 15"/>
+          <p:cNvSpPr txBox="1">
+            <a:spLocks noGrp="1"/>
+          </p:cNvSpPr>
+          <p:nvPr>
+            <p:ph type="sldNum" idx="12"/>
+          </p:nvPr>
+        </p:nvSpPr>
+        <p:spPr>
+          <a:xfrm>
+            <a:off x="8556793" y="6333137"/>
+            <a:ext cx="548699" cy="524519"/>
+          </a:xfrm>
+          <a:prstGeom prst="rect">
+            <a:avLst/>
+          </a:prstGeom>
+        </p:spPr>
+        <p:txBody>
+          <a:bodyPr lIns="91425" tIns="91425" rIns="91425" bIns="91425" anchor="ctr" anchorCtr="0">
+            <a:noAutofit/>
+          </a:bodyPr>
+          <a:lstStyle>
+            <a:lvl1pPr>
+              <a:spcBef>
+                <a:spcPts val="0"/>
+              </a:spcBef>
+              <a:buNone/>
+              <a:defRPr/>
+            </a:lvl1pPr>
+          </a:lstStyle>
+          <a:p>
+            <a:fld id="{B6F15528-21DE-4FAA-801E-634DDDAF4B2B}" type="slidenum">
+              <a:rPr lang="en-US" smtClean="0"/>
+              <a:pPr/>
+              <a:t>‹#›</a:t>
+            </a:fld>
+            <a:endParaRPr lang="en-US"/>
+          </a:p>
+        </p:txBody>
+      </p:sp>
+      <p:sp>
+        <p:nvSpPr>
+          <p:cNvPr id="7" name="Rectangle 6"/>
+          <p:cNvSpPr/>
+          <p:nvPr/>
+        </p:nvSpPr>
+        <p:spPr>
+          <a:xfrm>
+            <a:off x="9036498" y="0"/>
+            <a:ext cx="107503" cy="6858000"/>
+          </a:xfrm>
+          <a:prstGeom prst="rect">
+            <a:avLst/>
+          </a:prstGeom>
+          <a:gradFill>
+            <a:gsLst>
+              <a:gs pos="0">
+                <a:schemeClr val="accent6">
+                  <a:lumMod val="75000"/>
+                </a:schemeClr>
+              </a:gs>
+              <a:gs pos="50000">
+                <a:schemeClr val="accent6">
+                  <a:lumMod val="60000"/>
+                  <a:lumOff val="40000"/>
+                </a:schemeClr>
+              </a:gs>
+              <a:gs pos="100000">
+                <a:schemeClr val="accent6">
+                  <a:lumMod val="40000"/>
+                  <a:lumOff val="60000"/>
+                  <a:alpha val="69000"/>
+                </a:schemeClr>
+              </a:gs>
+            </a:gsLst>
+            <a:lin ang="5400000" scaled="0"/>
+          </a:gradFill>
+          <a:ln>
+            <a:noFill/>
+          </a:ln>
+        </p:spPr>
+        <p:style>
+          <a:lnRef idx="2">
+            <a:schemeClr val="accent1">
+              <a:shade val="50000"/>
+            </a:schemeClr>
+          </a:lnRef>
+          <a:fillRef idx="1">
+            <a:schemeClr val="accent1"/>
+          </a:fillRef>
+          <a:effectRef idx="0">
+            <a:schemeClr val="accent1"/>
+          </a:effectRef>
+          <a:fontRef idx="minor">
+            <a:schemeClr val="lt1"/>
+          </a:fontRef>
+        </p:style>
+        <p:txBody>
+          <a:bodyPr rtlCol="0" anchor="ctr"/>
+          <a:lstStyle/>
+          <a:p>
+            <a:pPr algn="ctr"/>
+            <a:endParaRPr lang="en-IN" sz="1167"/>
+          </a:p>
+        </p:txBody>
+      </p:sp>
+      <p:sp>
+        <p:nvSpPr>
+          <p:cNvPr id="8" name="Rectangle 7"/>
+          <p:cNvSpPr/>
+          <p:nvPr/>
+        </p:nvSpPr>
+        <p:spPr>
+          <a:xfrm rot="10800000" flipV="1">
+            <a:off x="107507" y="881187"/>
+            <a:ext cx="8928991" cy="61780"/>
+          </a:xfrm>
+          <a:prstGeom prst="rect">
+            <a:avLst/>
+          </a:prstGeom>
+          <a:gradFill flip="none" rotWithShape="1">
+            <a:gsLst>
+              <a:gs pos="0">
+                <a:schemeClr val="accent6">
+                  <a:lumMod val="75000"/>
+                </a:schemeClr>
+              </a:gs>
+              <a:gs pos="50000">
+                <a:schemeClr val="accent6">
+                  <a:lumMod val="60000"/>
+                  <a:lumOff val="40000"/>
+                </a:schemeClr>
+              </a:gs>
+              <a:gs pos="100000">
+                <a:schemeClr val="accent6">
+                  <a:lumMod val="40000"/>
+                  <a:lumOff val="60000"/>
+                  <a:alpha val="0"/>
+                </a:schemeClr>
+              </a:gs>
+            </a:gsLst>
+            <a:lin ang="0" scaled="1"/>
+            <a:tileRect/>
+          </a:gradFill>
+          <a:ln>
+            <a:noFill/>
+          </a:ln>
+        </p:spPr>
+        <p:style>
+          <a:lnRef idx="2">
+            <a:schemeClr val="accent1">
+              <a:shade val="50000"/>
+            </a:schemeClr>
+          </a:lnRef>
+          <a:fillRef idx="1">
+            <a:schemeClr val="accent1"/>
+          </a:fillRef>
+          <a:effectRef idx="0">
+            <a:schemeClr val="accent1"/>
+          </a:effectRef>
+          <a:fontRef idx="minor">
+            <a:schemeClr val="lt1"/>
+          </a:fontRef>
+        </p:style>
+        <p:txBody>
+          <a:bodyPr rtlCol="0" anchor="ctr"/>
+          <a:lstStyle/>
+          <a:p>
+            <a:pPr algn="ctr"/>
+            <a:endParaRPr lang="en-IN" sz="1800"/>
+          </a:p>
+        </p:txBody>
+      </p:sp>
+    </p:spTree>
+    <p:extLst>
+      <p:ext uri="{BB962C8B-B14F-4D97-AF65-F5344CB8AC3E}">
+        <p14:creationId xmlns:p14="http://schemas.microsoft.com/office/powerpoint/2010/main" val="153162844"/>
+      </p:ext>
+    </p:extLst>
   </p:cSld>
   <p:clrMapOvr>
     <a:masterClrMapping/>
@@ -1933,7 +2423,7 @@
               <a:rPr lang="en-US" smtClean="0"/>
               <a:t>Click to edit Master title style</a:t>
             </a:r>
-            <a:endParaRPr lang="en-US"/>
+            <a:endParaRPr lang="en-IN"/>
           </a:p>
         </p:txBody>
       </p:sp>
@@ -1947,7 +2437,12 @@
             <p:ph idx="1"/>
           </p:nvPr>
         </p:nvSpPr>
-        <p:spPr/>
+        <p:spPr>
+          <a:xfrm>
+            <a:off x="107505" y="764704"/>
+            <a:ext cx="8928992" cy="5544616"/>
+          </a:xfrm>
+        </p:spPr>
         <p:txBody>
           <a:bodyPr/>
           <a:lstStyle/>
@@ -1985,7 +2480,7 @@
               <a:rPr lang="en-US" smtClean="0"/>
               <a:t>Fifth level</a:t>
             </a:r>
-            <a:endParaRPr lang="en-US"/>
+            <a:endParaRPr lang="en-IN" dirty="0"/>
           </a:p>
         </p:txBody>
       </p:sp>
@@ -1999,7 +2494,12 @@
             <p:ph type="dt" sz="half" idx="10"/>
           </p:nvPr>
         </p:nvSpPr>
-        <p:spPr/>
+        <p:spPr>
+          <a:xfrm>
+            <a:off x="87200" y="6469087"/>
+            <a:ext cx="2133600" cy="365125"/>
+          </a:xfrm>
+        </p:spPr>
         <p:txBody>
           <a:bodyPr/>
           <a:lstStyle/>
@@ -2007,7 +2507,7 @@
             <a:fld id="{1D8BD707-D9CF-40AE-B4C6-C98DA3205C09}" type="datetimeFigureOut">
               <a:rPr lang="en-US" smtClean="0"/>
               <a:pPr/>
-              <a:t>8/7/2015</a:t>
+              <a:t>8/7/15</a:t>
             </a:fld>
             <a:endParaRPr lang="en-US"/>
           </a:p>
@@ -2023,7 +2523,12 @@
             <p:ph type="ftr" sz="quarter" idx="11"/>
           </p:nvPr>
         </p:nvSpPr>
-        <p:spPr/>
+        <p:spPr>
+          <a:xfrm>
+            <a:off x="3170450" y="6469087"/>
+            <a:ext cx="2895600" cy="365125"/>
+          </a:xfrm>
+        </p:spPr>
         <p:txBody>
           <a:bodyPr/>
           <a:lstStyle/>
@@ -2042,7 +2547,12 @@
             <p:ph type="sldNum" sz="quarter" idx="12"/>
           </p:nvPr>
         </p:nvSpPr>
-        <p:spPr/>
+        <p:spPr>
+          <a:xfrm>
+            <a:off x="6883400" y="6480350"/>
+            <a:ext cx="2133600" cy="365125"/>
+          </a:xfrm>
+        </p:spPr>
         <p:txBody>
           <a:bodyPr/>
           <a:lstStyle/>
@@ -2056,7 +2566,145 @@
           </a:p>
         </p:txBody>
       </p:sp>
+      <p:sp>
+        <p:nvSpPr>
+          <p:cNvPr id="8" name="Rectangle 7"/>
+          <p:cNvSpPr/>
+          <p:nvPr/>
+        </p:nvSpPr>
+        <p:spPr>
+          <a:xfrm>
+            <a:off x="9036498" y="0"/>
+            <a:ext cx="107503" cy="6858000"/>
+          </a:xfrm>
+          <a:prstGeom prst="rect">
+            <a:avLst/>
+          </a:prstGeom>
+          <a:gradFill>
+            <a:gsLst>
+              <a:gs pos="0">
+                <a:schemeClr val="accent6">
+                  <a:lumMod val="75000"/>
+                </a:schemeClr>
+              </a:gs>
+              <a:gs pos="50000">
+                <a:schemeClr val="accent6">
+                  <a:lumMod val="60000"/>
+                  <a:lumOff val="40000"/>
+                </a:schemeClr>
+              </a:gs>
+              <a:gs pos="100000">
+                <a:schemeClr val="accent6">
+                  <a:lumMod val="40000"/>
+                  <a:lumOff val="60000"/>
+                  <a:alpha val="69000"/>
+                </a:schemeClr>
+              </a:gs>
+            </a:gsLst>
+            <a:lin ang="5400000" scaled="0"/>
+          </a:gradFill>
+          <a:ln>
+            <a:noFill/>
+          </a:ln>
+        </p:spPr>
+        <p:style>
+          <a:lnRef idx="2">
+            <a:schemeClr val="accent1">
+              <a:shade val="50000"/>
+            </a:schemeClr>
+          </a:lnRef>
+          <a:fillRef idx="1">
+            <a:schemeClr val="accent1"/>
+          </a:fillRef>
+          <a:effectRef idx="0">
+            <a:schemeClr val="accent1"/>
+          </a:effectRef>
+          <a:fontRef idx="minor">
+            <a:schemeClr val="lt1"/>
+          </a:fontRef>
+        </p:style>
+        <p:txBody>
+          <a:bodyPr rtlCol="0" anchor="ctr"/>
+          <a:lstStyle/>
+          <a:p>
+            <a:pPr algn="ctr"/>
+            <a:endParaRPr lang="en-IN" sz="1167"/>
+          </a:p>
+        </p:txBody>
+      </p:sp>
+      <p:sp>
+        <p:nvSpPr>
+          <p:cNvPr id="9" name="Rectangle 8"/>
+          <p:cNvSpPr/>
+          <p:nvPr/>
+        </p:nvSpPr>
+        <p:spPr>
+          <a:xfrm rot="10800000" flipV="1">
+            <a:off x="107505" y="702924"/>
+            <a:ext cx="8928991" cy="61780"/>
+          </a:xfrm>
+          <a:prstGeom prst="rect">
+            <a:avLst/>
+          </a:prstGeom>
+          <a:gradFill flip="none" rotWithShape="1">
+            <a:gsLst>
+              <a:gs pos="0">
+                <a:schemeClr val="accent6">
+                  <a:lumMod val="75000"/>
+                </a:schemeClr>
+              </a:gs>
+              <a:gs pos="50000">
+                <a:schemeClr val="accent6">
+                  <a:lumMod val="60000"/>
+                  <a:lumOff val="40000"/>
+                </a:schemeClr>
+              </a:gs>
+              <a:gs pos="100000">
+                <a:schemeClr val="accent6">
+                  <a:lumMod val="40000"/>
+                  <a:lumOff val="60000"/>
+                  <a:alpha val="0"/>
+                </a:schemeClr>
+              </a:gs>
+            </a:gsLst>
+            <a:lin ang="0" scaled="1"/>
+            <a:tileRect/>
+          </a:gradFill>
+          <a:ln>
+            <a:noFill/>
+          </a:ln>
+        </p:spPr>
+        <p:style>
+          <a:lnRef idx="2">
+            <a:schemeClr val="accent1">
+              <a:shade val="50000"/>
+            </a:schemeClr>
+          </a:lnRef>
+          <a:fillRef idx="1">
+            <a:schemeClr val="accent1"/>
+          </a:fillRef>
+          <a:effectRef idx="0">
+            <a:schemeClr val="accent1"/>
+          </a:effectRef>
+          <a:fontRef idx="minor">
+            <a:schemeClr val="lt1"/>
+          </a:fontRef>
+        </p:style>
+        <p:txBody>
+          <a:bodyPr rtlCol="0" anchor="ctr"/>
+          <a:lstStyle/>
+          <a:p>
+            <a:pPr algn="ctr"/>
+            <a:endParaRPr lang="en-IN" sz="1800"/>
+          </a:p>
+        </p:txBody>
+      </p:sp>
     </p:spTree>
+    <p:extLst>
+      <p:ext uri="{BB962C8B-B14F-4D97-AF65-F5344CB8AC3E}">
+        <p14:creationId xmlns:p14="http://schemas.microsoft.com/office/powerpoint/2010/main" val="158136104"/>
+      </p:ext>
+    </p:extLst>
   </p:cSld>
   <p:clrMapOvr>
     <a:masterClrMapping/>
@@ -2093,15 +2741,15 @@
         </p:nvSpPr>
         <p:spPr>
           <a:xfrm>
-            <a:off x="722313" y="4406900"/>
-            <a:ext cx="7772400" cy="1362075"/>
+            <a:off x="722313" y="4406902"/>
+            <a:ext cx="7772400" cy="1362076"/>
           </a:xfrm>
         </p:spPr>
         <p:txBody>
           <a:bodyPr anchor="t"/>
           <a:lstStyle>
             <a:lvl1pPr algn="l">
-              <a:defRPr sz="4000" b="1" cap="all"/>
+              <a:defRPr sz="3333" b="1" cap="all"/>
             </a:lvl1pPr>
           </a:lstStyle>
           <a:p>
@@ -2109,7 +2757,7 @@
               <a:rPr lang="en-US" smtClean="0"/>
               <a:t>Click to edit Master title style</a:t>
             </a:r>
-            <a:endParaRPr lang="en-US"/>
+            <a:endParaRPr lang="en-IN"/>
           </a:p>
         </p:txBody>
       </p:sp>
@@ -2134,7 +2782,7 @@
           <a:lstStyle>
             <a:lvl1pPr marL="0" indent="0">
               <a:buNone/>
-              <a:defRPr sz="2000">
+              <a:defRPr sz="1667">
                 <a:solidFill>
                   <a:schemeClr val="tx1">
                     <a:tint val="75000"/>
@@ -2142,9 +2790,9 @@
                 </a:solidFill>
               </a:defRPr>
             </a:lvl1pPr>
-            <a:lvl2pPr marL="457200" indent="0">
+            <a:lvl2pPr marL="380985" indent="0">
               <a:buNone/>
-              <a:defRPr sz="1800">
+              <a:defRPr sz="1500">
                 <a:solidFill>
                   <a:schemeClr val="tx1">
                     <a:tint val="75000"/>
@@ -2152,9 +2800,9 @@
                 </a:solidFill>
               </a:defRPr>
             </a:lvl2pPr>
-            <a:lvl3pPr marL="914400" indent="0">
+            <a:lvl3pPr marL="761970" indent="0">
               <a:buNone/>
-              <a:defRPr sz="1600">
+              <a:defRPr sz="1333">
                 <a:solidFill>
                   <a:schemeClr val="tx1">
                     <a:tint val="75000"/>
@@ -2162,9 +2810,9 @@
                 </a:solidFill>
               </a:defRPr>
             </a:lvl3pPr>
-            <a:lvl4pPr marL="1371600" indent="0">
+            <a:lvl4pPr marL="1142954" indent="0">
               <a:buNone/>
-              <a:defRPr sz="1400">
+              <a:defRPr sz="1167">
                 <a:solidFill>
                   <a:schemeClr val="tx1">
                     <a:tint val="75000"/>
@@ -2172,9 +2820,9 @@
                 </a:solidFill>
               </a:defRPr>
             </a:lvl4pPr>
-            <a:lvl5pPr marL="1828800" indent="0">
+            <a:lvl5pPr marL="1523939" indent="0">
               <a:buNone/>
-              <a:defRPr sz="1400">
+              <a:defRPr sz="1167">
                 <a:solidFill>
                   <a:schemeClr val="tx1">
                     <a:tint val="75000"/>
@@ -2182,9 +2830,9 @@
                 </a:solidFill>
               </a:defRPr>
             </a:lvl5pPr>
-            <a:lvl6pPr marL="2286000" indent="0">
+            <a:lvl6pPr marL="1904924" indent="0">
               <a:buNone/>
-              <a:defRPr sz="1400">
+              <a:defRPr sz="1167">
                 <a:solidFill>
                   <a:schemeClr val="tx1">
                     <a:tint val="75000"/>
@@ -2192,9 +2840,9 @@
                 </a:solidFill>
               </a:defRPr>
             </a:lvl6pPr>
-            <a:lvl7pPr marL="2743200" indent="0">
+            <a:lvl7pPr marL="2285909" indent="0">
               <a:buNone/>
-              <a:defRPr sz="1400">
+              <a:defRPr sz="1167">
                 <a:solidFill>
                   <a:schemeClr val="tx1">
                     <a:tint val="75000"/>
@@ -2202,9 +2850,9 @@
                 </a:solidFill>
               </a:defRPr>
             </a:lvl7pPr>
-            <a:lvl8pPr marL="3200400" indent="0">
+            <a:lvl8pPr marL="2666893" indent="0">
               <a:buNone/>
-              <a:defRPr sz="1400">
+              <a:defRPr sz="1167">
                 <a:solidFill>
                   <a:schemeClr val="tx1">
                     <a:tint val="75000"/>
@@ -2212,9 +2860,9 @@
                 </a:solidFill>
               </a:defRPr>
             </a:lvl8pPr>
-            <a:lvl9pPr marL="3657600" indent="0">
+            <a:lvl9pPr marL="3047878" indent="0">
               <a:buNone/>
-              <a:defRPr sz="1400">
+              <a:defRPr sz="1167">
                 <a:solidFill>
                   <a:schemeClr val="tx1">
                     <a:tint val="75000"/>
@@ -2250,7 +2898,7 @@
             <a:fld id="{1D8BD707-D9CF-40AE-B4C6-C98DA3205C09}" type="datetimeFigureOut">
               <a:rPr lang="en-US" smtClean="0"/>
               <a:pPr/>
-              <a:t>8/7/2015</a:t>
+              <a:t>8/7/15</a:t>
             </a:fld>
             <a:endParaRPr lang="en-US"/>
           </a:p>
@@ -2299,7 +2947,78 @@
           </a:p>
         </p:txBody>
       </p:sp>
+      <p:sp>
+        <p:nvSpPr>
+          <p:cNvPr id="7" name="Rectangle 6"/>
+          <p:cNvSpPr/>
+          <p:nvPr/>
+        </p:nvSpPr>
+        <p:spPr>
+          <a:xfrm>
+            <a:off x="9036498" y="0"/>
+            <a:ext cx="107503" cy="6858000"/>
+          </a:xfrm>
+          <a:prstGeom prst="rect">
+            <a:avLst/>
+          </a:prstGeom>
+          <a:gradFill>
+            <a:gsLst>
+              <a:gs pos="0">
+                <a:schemeClr val="accent6">
+                  <a:lumMod val="75000"/>
+                </a:schemeClr>
+              </a:gs>
+              <a:gs pos="50000">
+                <a:schemeClr val="accent6">
+                  <a:lumMod val="60000"/>
+                  <a:lumOff val="40000"/>
+                </a:schemeClr>
+              </a:gs>
+              <a:gs pos="100000">
+                <a:schemeClr val="accent6">
+                  <a:lumMod val="40000"/>
+                  <a:lumOff val="60000"/>
+                  <a:alpha val="69000"/>
+                </a:schemeClr>
+              </a:gs>
+            </a:gsLst>
+            <a:lin ang="5400000" scaled="0"/>
+          </a:gradFill>
+          <a:ln>
+            <a:noFill/>
+          </a:ln>
+        </p:spPr>
+        <p:style>
+          <a:lnRef idx="2">
+            <a:schemeClr val="accent1">
+              <a:shade val="50000"/>
+            </a:schemeClr>
+          </a:lnRef>
+          <a:fillRef idx="1">
+            <a:schemeClr val="accent1"/>
+          </a:fillRef>
+          <a:effectRef idx="0">
+            <a:schemeClr val="accent1"/>
+          </a:effectRef>
+          <a:fontRef idx="minor">
+            <a:schemeClr val="lt1"/>
+          </a:fontRef>
+        </p:style>
+        <p:txBody>
+          <a:bodyPr rtlCol="0" anchor="ctr"/>
+          <a:lstStyle/>
+          <a:p>
+            <a:pPr algn="ctr"/>
+            <a:endParaRPr lang="en-IN" sz="1167"/>
+          </a:p>
+        </p:txBody>
+      </p:sp>
     </p:spTree>
+    <p:extLst>
+      <p:ext uri="{BB962C8B-B14F-4D97-AF65-F5344CB8AC3E}">
+        <p14:creationId xmlns:p14="http://schemas.microsoft.com/office/powerpoint/2010/main" val="991039875"/>
+      </p:ext>
+    </p:extLst>
   </p:cSld>
   <p:clrMapOvr>
     <a:masterClrMapping/>
@@ -2343,7 +3062,7 @@
               <a:rPr lang="en-US" smtClean="0"/>
               <a:t>Click to edit Master title style</a:t>
             </a:r>
-            <a:endParaRPr lang="en-US"/>
+            <a:endParaRPr lang="en-IN"/>
           </a:p>
         </p:txBody>
       </p:sp>
@@ -2359,7 +3078,7 @@
         </p:nvSpPr>
         <p:spPr>
           <a:xfrm>
-            <a:off x="457200" y="1600200"/>
+            <a:off x="457200" y="1600201"/>
             <a:ext cx="4038600" cy="4525963"/>
           </a:xfrm>
         </p:spPr>
@@ -2367,31 +3086,31 @@
           <a:bodyPr/>
           <a:lstStyle>
             <a:lvl1pPr>
-              <a:defRPr sz="2800"/>
+              <a:defRPr sz="2333"/>
             </a:lvl1pPr>
             <a:lvl2pPr>
-              <a:defRPr sz="2400"/>
+              <a:defRPr sz="2000"/>
             </a:lvl2pPr>
             <a:lvl3pPr>
-              <a:defRPr sz="2000"/>
+              <a:defRPr sz="1667"/>
             </a:lvl3pPr>
             <a:lvl4pPr>
-              <a:defRPr sz="1800"/>
+              <a:defRPr sz="1500"/>
             </a:lvl4pPr>
             <a:lvl5pPr>
-              <a:defRPr sz="1800"/>
+              <a:defRPr sz="1500"/>
             </a:lvl5pPr>
             <a:lvl6pPr>
-              <a:defRPr sz="1800"/>
+              <a:defRPr sz="1500"/>
             </a:lvl6pPr>
             <a:lvl7pPr>
-              <a:defRPr sz="1800"/>
+              <a:defRPr sz="1500"/>
             </a:lvl7pPr>
             <a:lvl8pPr>
-              <a:defRPr sz="1800"/>
+              <a:defRPr sz="1500"/>
             </a:lvl8pPr>
             <a:lvl9pPr>
-              <a:defRPr sz="1800"/>
+              <a:defRPr sz="1500"/>
             </a:lvl9pPr>
           </a:lstStyle>
           <a:p>
@@ -2428,7 +3147,7 @@
               <a:rPr lang="en-US" smtClean="0"/>
               <a:t>Fifth level</a:t>
             </a:r>
-            <a:endParaRPr lang="en-US"/>
+            <a:endParaRPr lang="en-IN"/>
           </a:p>
         </p:txBody>
       </p:sp>
@@ -2444,7 +3163,7 @@
         </p:nvSpPr>
         <p:spPr>
           <a:xfrm>
-            <a:off x="4648200" y="1600200"/>
+            <a:off x="4648200" y="1600201"/>
             <a:ext cx="4038600" cy="4525963"/>
           </a:xfrm>
         </p:spPr>
@@ -2452,31 +3171,31 @@
           <a:bodyPr/>
           <a:lstStyle>
             <a:lvl1pPr>
-              <a:defRPr sz="2800"/>
+              <a:defRPr sz="2333"/>
             </a:lvl1pPr>
             <a:lvl2pPr>
-              <a:defRPr sz="2400"/>
+              <a:defRPr sz="2000"/>
             </a:lvl2pPr>
             <a:lvl3pPr>
-              <a:defRPr sz="2000"/>
+              <a:defRPr sz="1667"/>
             </a:lvl3pPr>
             <a:lvl4pPr>
-              <a:defRPr sz="1800"/>
+              <a:defRPr sz="1500"/>
             </a:lvl4pPr>
             <a:lvl5pPr>
-              <a:defRPr sz="1800"/>
+              <a:defRPr sz="1500"/>
             </a:lvl5pPr>
             <a:lvl6pPr>
-              <a:defRPr sz="1800"/>
+              <a:defRPr sz="1500"/>
             </a:lvl6pPr>
             <a:lvl7pPr>
-              <a:defRPr sz="1800"/>
+              <a:defRPr sz="1500"/>
             </a:lvl7pPr>
             <a:lvl8pPr>
-              <a:defRPr sz="1800"/>
+              <a:defRPr sz="1500"/>
             </a:lvl8pPr>
             <a:lvl9pPr>
-              <a:defRPr sz="1800"/>
+              <a:defRPr sz="1500"/>
             </a:lvl9pPr>
           </a:lstStyle>
           <a:p>
@@ -2513,7 +3232,7 @@
               <a:rPr lang="en-US" smtClean="0"/>
               <a:t>Fifth level</a:t>
             </a:r>
-            <a:endParaRPr lang="en-US"/>
+            <a:endParaRPr lang="en-IN"/>
           </a:p>
         </p:txBody>
       </p:sp>
@@ -2535,7 +3254,7 @@
             <a:fld id="{1D8BD707-D9CF-40AE-B4C6-C98DA3205C09}" type="datetimeFigureOut">
               <a:rPr lang="en-US" smtClean="0"/>
               <a:pPr/>
-              <a:t>8/7/2015</a:t>
+              <a:t>8/7/15</a:t>
             </a:fld>
             <a:endParaRPr lang="en-US"/>
           </a:p>
@@ -2584,7 +3303,145 @@
           </a:p>
         </p:txBody>
       </p:sp>
+      <p:sp>
+        <p:nvSpPr>
+          <p:cNvPr id="8" name="Rectangle 7"/>
+          <p:cNvSpPr/>
+          <p:nvPr/>
+        </p:nvSpPr>
+        <p:spPr>
+          <a:xfrm>
+            <a:off x="9036498" y="0"/>
+            <a:ext cx="107503" cy="6858000"/>
+          </a:xfrm>
+          <a:prstGeom prst="rect">
+            <a:avLst/>
+          </a:prstGeom>
+          <a:gradFill>
+            <a:gsLst>
+              <a:gs pos="0">
+                <a:schemeClr val="accent6">
+                  <a:lumMod val="75000"/>
+                </a:schemeClr>
+              </a:gs>
+              <a:gs pos="50000">
+                <a:schemeClr val="accent6">
+                  <a:lumMod val="60000"/>
+                  <a:lumOff val="40000"/>
+                </a:schemeClr>
+              </a:gs>
+              <a:gs pos="100000">
+                <a:schemeClr val="accent6">
+                  <a:lumMod val="40000"/>
+                  <a:lumOff val="60000"/>
+                  <a:alpha val="69000"/>
+                </a:schemeClr>
+              </a:gs>
+            </a:gsLst>
+            <a:lin ang="5400000" scaled="0"/>
+          </a:gradFill>
+          <a:ln>
+            <a:noFill/>
+          </a:ln>
+        </p:spPr>
+        <p:style>
+          <a:lnRef idx="2">
+            <a:schemeClr val="accent1">
+              <a:shade val="50000"/>
+            </a:schemeClr>
+          </a:lnRef>
+          <a:fillRef idx="1">
+            <a:schemeClr val="accent1"/>
+          </a:fillRef>
+          <a:effectRef idx="0">
+            <a:schemeClr val="accent1"/>
+          </a:effectRef>
+          <a:fontRef idx="minor">
+            <a:schemeClr val="lt1"/>
+          </a:fontRef>
+        </p:style>
+        <p:txBody>
+          <a:bodyPr rtlCol="0" anchor="ctr"/>
+          <a:lstStyle/>
+          <a:p>
+            <a:pPr algn="ctr"/>
+            <a:endParaRPr lang="en-IN" sz="1167"/>
+          </a:p>
+        </p:txBody>
+      </p:sp>
+      <p:sp>
+        <p:nvSpPr>
+          <p:cNvPr id="9" name="Rectangle 8"/>
+          <p:cNvSpPr/>
+          <p:nvPr/>
+        </p:nvSpPr>
+        <p:spPr>
+          <a:xfrm rot="10800000" flipV="1">
+            <a:off x="107505" y="702924"/>
+            <a:ext cx="8928991" cy="61780"/>
+          </a:xfrm>
+          <a:prstGeom prst="rect">
+            <a:avLst/>
+          </a:prstGeom>
+          <a:gradFill flip="none" rotWithShape="1">
+            <a:gsLst>
+              <a:gs pos="0">
+                <a:schemeClr val="accent6">
+                  <a:lumMod val="75000"/>
+                </a:schemeClr>
+              </a:gs>
+              <a:gs pos="50000">
+                <a:schemeClr val="accent6">
+                  <a:lumMod val="60000"/>
+                  <a:lumOff val="40000"/>
+                </a:schemeClr>
+              </a:gs>
+              <a:gs pos="100000">
+                <a:schemeClr val="accent6">
+                  <a:lumMod val="40000"/>
+                  <a:lumOff val="60000"/>
+                  <a:alpha val="0"/>
+                </a:schemeClr>
+              </a:gs>
+            </a:gsLst>
+            <a:lin ang="0" scaled="1"/>
+            <a:tileRect/>
+          </a:gradFill>
+          <a:ln>
+            <a:noFill/>
+          </a:ln>
+        </p:spPr>
+        <p:style>
+          <a:lnRef idx="2">
+            <a:schemeClr val="accent1">
+              <a:shade val="50000"/>
+            </a:schemeClr>
+          </a:lnRef>
+          <a:fillRef idx="1">
+            <a:schemeClr val="accent1"/>
+          </a:fillRef>
+          <a:effectRef idx="0">
+            <a:schemeClr val="accent1"/>
+          </a:effectRef>
+          <a:fontRef idx="minor">
+            <a:schemeClr val="lt1"/>
+          </a:fontRef>
+        </p:style>
+        <p:txBody>
+          <a:bodyPr rtlCol="0" anchor="ctr"/>
+          <a:lstStyle/>
+          <a:p>
+            <a:pPr algn="ctr"/>
+            <a:endParaRPr lang="en-IN" sz="1800"/>
+          </a:p>
+        </p:txBody>
+      </p:sp>
     </p:spTree>
+    <p:extLst>
+      <p:ext uri="{BB962C8B-B14F-4D97-AF65-F5344CB8AC3E}">
+        <p14:creationId xmlns:p14="http://schemas.microsoft.com/office/powerpoint/2010/main" val="878273679"/>
+      </p:ext>
+    </p:extLst>
   </p:cSld>
   <p:clrMapOvr>
     <a:masterClrMapping/>
@@ -2632,7 +3489,7 @@
               <a:rPr lang="en-US" smtClean="0"/>
               <a:t>Click to edit Master title style</a:t>
             </a:r>
-            <a:endParaRPr lang="en-US"/>
+            <a:endParaRPr lang="en-IN"/>
           </a:p>
         </p:txBody>
       </p:sp>
@@ -2648,7 +3505,7 @@
         </p:nvSpPr>
         <p:spPr>
           <a:xfrm>
-            <a:off x="457200" y="1535113"/>
+            <a:off x="457200" y="1535114"/>
             <a:ext cx="4040188" cy="639762"/>
           </a:xfrm>
         </p:spPr>
@@ -2657,39 +3514,39 @@
           <a:lstStyle>
             <a:lvl1pPr marL="0" indent="0">
               <a:buNone/>
-              <a:defRPr sz="2400" b="1"/>
+              <a:defRPr sz="2000" b="1"/>
             </a:lvl1pPr>
-            <a:lvl2pPr marL="457200" indent="0">
+            <a:lvl2pPr marL="380985" indent="0">
               <a:buNone/>
-              <a:defRPr sz="2000" b="1"/>
+              <a:defRPr sz="1667" b="1"/>
             </a:lvl2pPr>
-            <a:lvl3pPr marL="914400" indent="0">
+            <a:lvl3pPr marL="761970" indent="0">
               <a:buNone/>
-              <a:defRPr sz="1800" b="1"/>
+              <a:defRPr sz="1500" b="1"/>
             </a:lvl3pPr>
-            <a:lvl4pPr marL="1371600" indent="0">
+            <a:lvl4pPr marL="1142954" indent="0">
               <a:buNone/>
-              <a:defRPr sz="1600" b="1"/>
+              <a:defRPr sz="1333" b="1"/>
             </a:lvl4pPr>
-            <a:lvl5pPr marL="1828800" indent="0">
+            <a:lvl5pPr marL="1523939" indent="0">
               <a:buNone/>
-              <a:defRPr sz="1600" b="1"/>
+              <a:defRPr sz="1333" b="1"/>
             </a:lvl5pPr>
-            <a:lvl6pPr marL="2286000" indent="0">
+            <a:lvl6pPr marL="1904924" indent="0">
               <a:buNone/>
-              <a:defRPr sz="1600" b="1"/>
+              <a:defRPr sz="1333" b="1"/>
             </a:lvl6pPr>
-            <a:lvl7pPr marL="2743200" indent="0">
+            <a:lvl7pPr marL="2285909" indent="0">
               <a:buNone/>
-              <a:defRPr sz="1600" b="1"/>
+              <a:defRPr sz="1333" b="1"/>
             </a:lvl7pPr>
-            <a:lvl8pPr marL="3200400" indent="0">
+            <a:lvl8pPr marL="2666893" indent="0">
               <a:buNone/>
-              <a:defRPr sz="1600" b="1"/>
+              <a:defRPr sz="1333" b="1"/>
             </a:lvl8pPr>
-            <a:lvl9pPr marL="3657600" indent="0">
+            <a:lvl9pPr marL="3047878" indent="0">
               <a:buNone/>
-              <a:defRPr sz="1600" b="1"/>
+              <a:defRPr sz="1333" b="1"/>
             </a:lvl9pPr>
           </a:lstStyle>
           <a:p>
@@ -2721,31 +3578,31 @@
           <a:bodyPr/>
           <a:lstStyle>
             <a:lvl1pPr>
-              <a:defRPr sz="2400"/>
+              <a:defRPr sz="2000"/>
             </a:lvl1pPr>
             <a:lvl2pPr>
-              <a:defRPr sz="2000"/>
+              <a:defRPr sz="1667"/>
             </a:lvl2pPr>
             <a:lvl3pPr>
-              <a:defRPr sz="1800"/>
+              <a:defRPr sz="1500"/>
             </a:lvl3pPr>
             <a:lvl4pPr>
-              <a:defRPr sz="1600"/>
+              <a:defRPr sz="1333"/>
             </a:lvl4pPr>
             <a:lvl5pPr>
-              <a:defRPr sz="1600"/>
+              <a:defRPr sz="1333"/>
             </a:lvl5pPr>
             <a:lvl6pPr>
-              <a:defRPr sz="1600"/>
+              <a:defRPr sz="1333"/>
             </a:lvl6pPr>
             <a:lvl7pPr>
-              <a:defRPr sz="1600"/>
+              <a:defRPr sz="1333"/>
             </a:lvl7pPr>
             <a:lvl8pPr>
-              <a:defRPr sz="1600"/>
+              <a:defRPr sz="1333"/>
             </a:lvl8pPr>
             <a:lvl9pPr>
-              <a:defRPr sz="1600"/>
+              <a:defRPr sz="1333"/>
             </a:lvl9pPr>
           </a:lstStyle>
           <a:p>
@@ -2782,7 +3639,7 @@
               <a:rPr lang="en-US" smtClean="0"/>
               <a:t>Fifth level</a:t>
             </a:r>
-            <a:endParaRPr lang="en-US"/>
+            <a:endParaRPr lang="en-IN"/>
           </a:p>
         </p:txBody>
       </p:sp>
@@ -2798,7 +3655,7 @@
         </p:nvSpPr>
         <p:spPr>
           <a:xfrm>
-            <a:off x="4645025" y="1535113"/>
+            <a:off x="4645027" y="1535114"/>
             <a:ext cx="4041775" cy="639762"/>
           </a:xfrm>
         </p:spPr>
@@ -2807,39 +3664,39 @@
           <a:lstStyle>
             <a:lvl1pPr marL="0" indent="0">
               <a:buNone/>
-              <a:defRPr sz="2400" b="1"/>
+              <a:defRPr sz="2000" b="1"/>
             </a:lvl1pPr>
-            <a:lvl2pPr marL="457200" indent="0">
+            <a:lvl2pPr marL="380985" indent="0">
               <a:buNone/>
-              <a:defRPr sz="2000" b="1"/>
+              <a:defRPr sz="1667" b="1"/>
             </a:lvl2pPr>
-            <a:lvl3pPr marL="914400" indent="0">
+            <a:lvl3pPr marL="761970" indent="0">
               <a:buNone/>
-              <a:defRPr sz="1800" b="1"/>
+              <a:defRPr sz="1500" b="1"/>
             </a:lvl3pPr>
-            <a:lvl4pPr marL="1371600" indent="0">
+            <a:lvl4pPr marL="1142954" indent="0">
               <a:buNone/>
-              <a:defRPr sz="1600" b="1"/>
+              <a:defRPr sz="1333" b="1"/>
             </a:lvl4pPr>
-            <a:lvl5pPr marL="1828800" indent="0">
+            <a:lvl5pPr marL="1523939" indent="0">
               <a:buNone/>
-              <a:defRPr sz="1600" b="1"/>
+              <a:defRPr sz="1333" b="1"/>
             </a:lvl5pPr>
-            <a:lvl6pPr marL="2286000" indent="0">
+            <a:lvl6pPr marL="1904924" indent="0">
               <a:buNone/>
-              <a:defRPr sz="1600" b="1"/>
+              <a:defRPr sz="1333" b="1"/>
             </a:lvl6pPr>
-            <a:lvl7pPr marL="2743200" indent="0">
+            <a:lvl7pPr marL="2285909" indent="0">
               <a:buNone/>
-              <a:defRPr sz="1600" b="1"/>
+              <a:defRPr sz="1333" b="1"/>
             </a:lvl7pPr>
-            <a:lvl8pPr marL="3200400" indent="0">
+            <a:lvl8pPr marL="2666893" indent="0">
               <a:buNone/>
-              <a:defRPr sz="1600" b="1"/>
+              <a:defRPr sz="1333" b="1"/>
             </a:lvl8pPr>
-            <a:lvl9pPr marL="3657600" indent="0">
+            <a:lvl9pPr marL="3047878" indent="0">
               <a:buNone/>
-              <a:defRPr sz="1600" b="1"/>
+              <a:defRPr sz="1333" b="1"/>
             </a:lvl9pPr>
           </a:lstStyle>
           <a:p>
@@ -2863,7 +3720,7 @@
         </p:nvSpPr>
         <p:spPr>
           <a:xfrm>
-            <a:off x="4645025" y="2174875"/>
+            <a:off x="4645027" y="2174875"/>
             <a:ext cx="4041775" cy="3951288"/>
           </a:xfrm>
         </p:spPr>
@@ -2871,31 +3728,31 @@
           <a:bodyPr/>
           <a:lstStyle>
             <a:lvl1pPr>
-              <a:defRPr sz="2400"/>
+              <a:defRPr sz="2000"/>
             </a:lvl1pPr>
             <a:lvl2pPr>
-              <a:defRPr sz="2000"/>
+              <a:defRPr sz="1667"/>
             </a:lvl2pPr>
             <a:lvl3pPr>
-              <a:defRPr sz="1800"/>
+              <a:defRPr sz="1500"/>
             </a:lvl3pPr>
             <a:lvl4pPr>
-              <a:defRPr sz="1600"/>
+              <a:defRPr sz="1333"/>
             </a:lvl4pPr>
             <a:lvl5pPr>
-              <a:defRPr sz="1600"/>
+              <a:defRPr sz="1333"/>
             </a:lvl5pPr>
             <a:lvl6pPr>
-              <a:defRPr sz="1600"/>
+              <a:defRPr sz="1333"/>
             </a:lvl6pPr>
             <a:lvl7pPr>
-              <a:defRPr sz="1600"/>
+              <a:defRPr sz="1333"/>
             </a:lvl7pPr>
             <a:lvl8pPr>
-              <a:defRPr sz="1600"/>
+              <a:defRPr sz="1333"/>
             </a:lvl8pPr>
             <a:lvl9pPr>
-              <a:defRPr sz="1600"/>
+              <a:defRPr sz="1333"/>
             </a:lvl9pPr>
           </a:lstStyle>
           <a:p>
@@ -2932,7 +3789,7 @@
               <a:rPr lang="en-US" smtClean="0"/>
               <a:t>Fifth level</a:t>
             </a:r>
-            <a:endParaRPr lang="en-US"/>
+            <a:endParaRPr lang="en-IN"/>
           </a:p>
         </p:txBody>
       </p:sp>
@@ -2954,7 +3811,7 @@
             <a:fld id="{1D8BD707-D9CF-40AE-B4C6-C98DA3205C09}" type="datetimeFigureOut">
               <a:rPr lang="en-US" smtClean="0"/>
               <a:pPr/>
-              <a:t>8/7/2015</a:t>
+              <a:t>8/7/15</a:t>
             </a:fld>
             <a:endParaRPr lang="en-US"/>
           </a:p>
@@ -3003,7 +3860,145 @@
           </a:p>
         </p:txBody>
       </p:sp>
+      <p:sp>
+        <p:nvSpPr>
+          <p:cNvPr id="10" name="Rectangle 9"/>
+          <p:cNvSpPr/>
+          <p:nvPr/>
+        </p:nvSpPr>
+        <p:spPr>
+          <a:xfrm>
+            <a:off x="9036498" y="0"/>
+            <a:ext cx="107503" cy="6858000"/>
+          </a:xfrm>
+          <a:prstGeom prst="rect">
+            <a:avLst/>
+          </a:prstGeom>
+          <a:gradFill>
+            <a:gsLst>
+              <a:gs pos="0">
+                <a:schemeClr val="accent6">
+                  <a:lumMod val="75000"/>
+                </a:schemeClr>
+              </a:gs>
+              <a:gs pos="50000">
+                <a:schemeClr val="accent6">
+                  <a:lumMod val="60000"/>
+                  <a:lumOff val="40000"/>
+                </a:schemeClr>
+              </a:gs>
+              <a:gs pos="100000">
+                <a:schemeClr val="accent6">
+                  <a:lumMod val="40000"/>
+                  <a:lumOff val="60000"/>
+                  <a:alpha val="69000"/>
+                </a:schemeClr>
+              </a:gs>
+            </a:gsLst>
+            <a:lin ang="5400000" scaled="0"/>
+          </a:gradFill>
+          <a:ln>
+            <a:noFill/>
+          </a:ln>
+        </p:spPr>
+        <p:style>
+          <a:lnRef idx="2">
+            <a:schemeClr val="accent1">
+              <a:shade val="50000"/>
+            </a:schemeClr>
+          </a:lnRef>
+          <a:fillRef idx="1">
+            <a:schemeClr val="accent1"/>
+          </a:fillRef>
+          <a:effectRef idx="0">
+            <a:schemeClr val="accent1"/>
+          </a:effectRef>
+          <a:fontRef idx="minor">
+            <a:schemeClr val="lt1"/>
+          </a:fontRef>
+        </p:style>
+        <p:txBody>
+          <a:bodyPr rtlCol="0" anchor="ctr"/>
+          <a:lstStyle/>
+          <a:p>
+            <a:pPr algn="ctr"/>
+            <a:endParaRPr lang="en-IN" sz="1167"/>
+          </a:p>
+        </p:txBody>
+      </p:sp>
+      <p:sp>
+        <p:nvSpPr>
+          <p:cNvPr id="11" name="Rectangle 10"/>
+          <p:cNvSpPr/>
+          <p:nvPr/>
+        </p:nvSpPr>
+        <p:spPr>
+          <a:xfrm rot="10800000" flipV="1">
+            <a:off x="107505" y="702924"/>
+            <a:ext cx="8928991" cy="61780"/>
+          </a:xfrm>
+          <a:prstGeom prst="rect">
+            <a:avLst/>
+          </a:prstGeom>
+          <a:gradFill flip="none" rotWithShape="1">
+            <a:gsLst>
+              <a:gs pos="0">
+                <a:schemeClr val="accent6">
+                  <a:lumMod val="75000"/>
+                </a:schemeClr>
+              </a:gs>
+              <a:gs pos="50000">
+                <a:schemeClr val="accent6">
+                  <a:lumMod val="60000"/>
+                  <a:lumOff val="40000"/>
+                </a:schemeClr>
+              </a:gs>
+              <a:gs pos="100000">
+                <a:schemeClr val="accent6">
+                  <a:lumMod val="40000"/>
+                  <a:lumOff val="60000"/>
+                  <a:alpha val="0"/>
+                </a:schemeClr>
+              </a:gs>
+            </a:gsLst>
+            <a:lin ang="0" scaled="1"/>
+            <a:tileRect/>
+          </a:gradFill>
+          <a:ln>
+            <a:noFill/>
+          </a:ln>
+        </p:spPr>
+        <p:style>
+          <a:lnRef idx="2">
+            <a:schemeClr val="accent1">
+              <a:shade val="50000"/>
+            </a:schemeClr>
+          </a:lnRef>
+          <a:fillRef idx="1">
+            <a:schemeClr val="accent1"/>
+          </a:fillRef>
+          <a:effectRef idx="0">
+            <a:schemeClr val="accent1"/>
+          </a:effectRef>
+          <a:fontRef idx="minor">
+            <a:schemeClr val="lt1"/>
+          </a:fontRef>
+        </p:style>
+        <p:txBody>
+          <a:bodyPr rtlCol="0" anchor="ctr"/>
+          <a:lstStyle/>
+          <a:p>
+            <a:pPr algn="ctr"/>
+            <a:endParaRPr lang="en-IN" sz="1800"/>
+          </a:p>
+        </p:txBody>
+      </p:sp>
     </p:spTree>
+    <p:extLst>
+      <p:ext uri="{BB962C8B-B14F-4D97-AF65-F5344CB8AC3E}">
+        <p14:creationId xmlns:p14="http://schemas.microsoft.com/office/powerpoint/2010/main" val="987706141"/>
+      </p:ext>
+    </p:extLst>
   </p:cSld>
   <p:clrMapOvr>
     <a:masterClrMapping/>
@@ -3047,7 +4042,7 @@
               <a:rPr lang="en-US" smtClean="0"/>
               <a:t>Click to edit Master title style</a:t>
             </a:r>
-            <a:endParaRPr lang="en-US"/>
+            <a:endParaRPr lang="en-IN"/>
           </a:p>
         </p:txBody>
       </p:sp>
@@ -3069,7 +4064,7 @@
             <a:fld id="{1D8BD707-D9CF-40AE-B4C6-C98DA3205C09}" type="datetimeFigureOut">
               <a:rPr lang="en-US" smtClean="0"/>
               <a:pPr/>
-              <a:t>8/7/2015</a:t>
+              <a:t>8/7/15</a:t>
             </a:fld>
             <a:endParaRPr lang="en-US"/>
           </a:p>
@@ -3118,7 +4113,145 @@
           </a:p>
         </p:txBody>
       </p:sp>
+      <p:sp>
+        <p:nvSpPr>
+          <p:cNvPr id="6" name="Rectangle 5"/>
+          <p:cNvSpPr/>
+          <p:nvPr/>
+        </p:nvSpPr>
+        <p:spPr>
+          <a:xfrm>
+            <a:off x="9036498" y="0"/>
+            <a:ext cx="107503" cy="6858000"/>
+          </a:xfrm>
+          <a:prstGeom prst="rect">
+            <a:avLst/>
+          </a:prstGeom>
+          <a:gradFill>
+            <a:gsLst>
+              <a:gs pos="0">
+                <a:schemeClr val="accent6">
+                  <a:lumMod val="75000"/>
+                </a:schemeClr>
+              </a:gs>
+              <a:gs pos="50000">
+                <a:schemeClr val="accent6">
+                  <a:lumMod val="60000"/>
+                  <a:lumOff val="40000"/>
+                </a:schemeClr>
+              </a:gs>
+              <a:gs pos="100000">
+                <a:schemeClr val="accent6">
+                  <a:lumMod val="40000"/>
+                  <a:lumOff val="60000"/>
+                  <a:alpha val="69000"/>
+                </a:schemeClr>
+              </a:gs>
+            </a:gsLst>
+            <a:lin ang="5400000" scaled="0"/>
+          </a:gradFill>
+          <a:ln>
+            <a:noFill/>
+          </a:ln>
+        </p:spPr>
+        <p:style>
+          <a:lnRef idx="2">
+            <a:schemeClr val="accent1">
+              <a:shade val="50000"/>
+            </a:schemeClr>
+          </a:lnRef>
+          <a:fillRef idx="1">
+            <a:schemeClr val="accent1"/>
+          </a:fillRef>
+          <a:effectRef idx="0">
+            <a:schemeClr val="accent1"/>
+          </a:effectRef>
+          <a:fontRef idx="minor">
+            <a:schemeClr val="lt1"/>
+          </a:fontRef>
+        </p:style>
+        <p:txBody>
+          <a:bodyPr rtlCol="0" anchor="ctr"/>
+          <a:lstStyle/>
+          <a:p>
+            <a:pPr algn="ctr"/>
+            <a:endParaRPr lang="en-IN" sz="1167"/>
+          </a:p>
+        </p:txBody>
+      </p:sp>
+      <p:sp>
+        <p:nvSpPr>
+          <p:cNvPr id="7" name="Rectangle 6"/>
+          <p:cNvSpPr/>
+          <p:nvPr/>
+        </p:nvSpPr>
+        <p:spPr>
+          <a:xfrm rot="10800000" flipV="1">
+            <a:off x="107505" y="702924"/>
+            <a:ext cx="8928991" cy="61780"/>
+          </a:xfrm>
+          <a:prstGeom prst="rect">
+            <a:avLst/>
+          </a:prstGeom>
+          <a:gradFill flip="none" rotWithShape="1">
+            <a:gsLst>
+              <a:gs pos="0">
+                <a:schemeClr val="accent6">
+                  <a:lumMod val="75000"/>
+                </a:schemeClr>
+              </a:gs>
+              <a:gs pos="50000">
+                <a:schemeClr val="accent6">
+                  <a:lumMod val="60000"/>
+                  <a:lumOff val="40000"/>
+                </a:schemeClr>
+              </a:gs>
+              <a:gs pos="100000">
+                <a:schemeClr val="accent6">
+                  <a:lumMod val="40000"/>
+                  <a:lumOff val="60000"/>
+                  <a:alpha val="0"/>
+                </a:schemeClr>
+              </a:gs>
+            </a:gsLst>
+            <a:lin ang="0" scaled="1"/>
+            <a:tileRect/>
+          </a:gradFill>
+          <a:ln>
+            <a:noFill/>
+          </a:ln>
+        </p:spPr>
+        <p:style>
+          <a:lnRef idx="2">
+            <a:schemeClr val="accent1">
+              <a:shade val="50000"/>
+            </a:schemeClr>
+          </a:lnRef>
+          <a:fillRef idx="1">
+            <a:schemeClr val="accent1"/>
+          </a:fillRef>
+          <a:effectRef idx="0">
+            <a:schemeClr val="accent1"/>
+          </a:effectRef>
+          <a:fontRef idx="minor">
+            <a:schemeClr val="lt1"/>
+          </a:fontRef>
+        </p:style>
+        <p:txBody>
+          <a:bodyPr rtlCol="0" anchor="ctr"/>
+          <a:lstStyle/>
+          <a:p>
+            <a:pPr algn="ctr"/>
+            <a:endParaRPr lang="en-IN" sz="1800"/>
+          </a:p>
+        </p:txBody>
+      </p:sp>
     </p:spTree>
+    <p:extLst>
+      <p:ext uri="{BB962C8B-B14F-4D97-AF65-F5344CB8AC3E}">
+        <p14:creationId xmlns:p14="http://schemas.microsoft.com/office/powerpoint/2010/main" val="1292413412"/>
+      </p:ext>
+    </p:extLst>
   </p:cSld>
   <p:clrMapOvr>
     <a:masterClrMapping/>
@@ -3161,7 +4294,7 @@
             <a:fld id="{1D8BD707-D9CF-40AE-B4C6-C98DA3205C09}" type="datetimeFigureOut">
               <a:rPr lang="en-US" smtClean="0"/>
               <a:pPr/>
-              <a:t>8/7/2015</a:t>
+              <a:t>8/7/15</a:t>
             </a:fld>
             <a:endParaRPr lang="en-US"/>
           </a:p>
@@ -3210,7 +4343,145 @@
           </a:p>
         </p:txBody>
       </p:sp>
+      <p:sp>
+        <p:nvSpPr>
+          <p:cNvPr id="5" name="Rectangle 4"/>
+          <p:cNvSpPr/>
+          <p:nvPr/>
+        </p:nvSpPr>
+        <p:spPr>
+          <a:xfrm>
+            <a:off x="9036498" y="0"/>
+            <a:ext cx="107503" cy="6858000"/>
+          </a:xfrm>
+          <a:prstGeom prst="rect">
+            <a:avLst/>
+          </a:prstGeom>
+          <a:gradFill>
+            <a:gsLst>
+              <a:gs pos="0">
+                <a:schemeClr val="accent6">
+                  <a:lumMod val="75000"/>
+                </a:schemeClr>
+              </a:gs>
+              <a:gs pos="50000">
+                <a:schemeClr val="accent6">
+                  <a:lumMod val="60000"/>
+                  <a:lumOff val="40000"/>
+                </a:schemeClr>
+              </a:gs>
+              <a:gs pos="100000">
+                <a:schemeClr val="accent6">
+                  <a:lumMod val="40000"/>
+                  <a:lumOff val="60000"/>
+                  <a:alpha val="69000"/>
+                </a:schemeClr>
+              </a:gs>
+            </a:gsLst>
+            <a:lin ang="5400000" scaled="0"/>
+          </a:gradFill>
+          <a:ln>
+            <a:noFill/>
+          </a:ln>
+        </p:spPr>
+        <p:style>
+          <a:lnRef idx="2">
+            <a:schemeClr val="accent1">
+              <a:shade val="50000"/>
+            </a:schemeClr>
+          </a:lnRef>
+          <a:fillRef idx="1">
+            <a:schemeClr val="accent1"/>
+          </a:fillRef>
+          <a:effectRef idx="0">
+            <a:schemeClr val="accent1"/>
+          </a:effectRef>
+          <a:fontRef idx="minor">
+            <a:schemeClr val="lt1"/>
+          </a:fontRef>
+        </p:style>
+        <p:txBody>
+          <a:bodyPr rtlCol="0" anchor="ctr"/>
+          <a:lstStyle/>
+          <a:p>
+            <a:pPr algn="ctr"/>
+            <a:endParaRPr lang="en-IN" sz="1167"/>
+          </a:p>
+        </p:txBody>
+      </p:sp>
+      <p:sp>
+        <p:nvSpPr>
+          <p:cNvPr id="6" name="Rectangle 5"/>
+          <p:cNvSpPr/>
+          <p:nvPr/>
+        </p:nvSpPr>
+        <p:spPr>
+          <a:xfrm rot="10800000" flipV="1">
+            <a:off x="107505" y="702924"/>
+            <a:ext cx="8928991" cy="61780"/>
+          </a:xfrm>
+          <a:prstGeom prst="rect">
+            <a:avLst/>
+          </a:prstGeom>
+          <a:gradFill flip="none" rotWithShape="1">
+            <a:gsLst>
+              <a:gs pos="0">
+                <a:schemeClr val="accent6">
+                  <a:lumMod val="75000"/>
+                </a:schemeClr>
+              </a:gs>
+              <a:gs pos="50000">
+                <a:schemeClr val="accent6">
+                  <a:lumMod val="60000"/>
+                  <a:lumOff val="40000"/>
+                </a:schemeClr>
+              </a:gs>
+              <a:gs pos="100000">
+                <a:schemeClr val="accent6">
+                  <a:lumMod val="40000"/>
+                  <a:lumOff val="60000"/>
+                  <a:alpha val="0"/>
+                </a:schemeClr>
+              </a:gs>
+            </a:gsLst>
+            <a:lin ang="0" scaled="1"/>
+            <a:tileRect/>
+          </a:gradFill>
+          <a:ln>
+            <a:noFill/>
+          </a:ln>
+        </p:spPr>
+        <p:style>
+          <a:lnRef idx="2">
+            <a:schemeClr val="accent1">
+              <a:shade val="50000"/>
+            </a:schemeClr>
+          </a:lnRef>
+          <a:fillRef idx="1">
+            <a:schemeClr val="accent1"/>
+          </a:fillRef>
+          <a:effectRef idx="0">
+            <a:schemeClr val="accent1"/>
+          </a:effectRef>
+          <a:fontRef idx="minor">
+            <a:schemeClr val="lt1"/>
+          </a:fontRef>
+        </p:style>
+        <p:txBody>
+          <a:bodyPr rtlCol="0" anchor="ctr"/>
+          <a:lstStyle/>
+          <a:p>
+            <a:pPr algn="ctr"/>
+            <a:endParaRPr lang="en-IN" sz="1800"/>
+          </a:p>
+        </p:txBody>
+      </p:sp>
     </p:spTree>
+    <p:extLst>
+      <p:ext uri="{BB962C8B-B14F-4D97-AF65-F5344CB8AC3E}">
+        <p14:creationId xmlns:p14="http://schemas.microsoft.com/office/powerpoint/2010/main" val="1794292538"/>
+      </p:ext>
+    </p:extLst>
   </p:cSld>
   <p:clrMapOvr>
     <a:masterClrMapping/>
@@ -3247,7 +4518,7 @@
         </p:nvSpPr>
         <p:spPr>
           <a:xfrm>
-            <a:off x="457200" y="273050"/>
+            <a:off x="457201" y="273051"/>
             <a:ext cx="3008313" cy="1162050"/>
           </a:xfrm>
         </p:spPr>
@@ -3255,7 +4526,7 @@
           <a:bodyPr anchor="b"/>
           <a:lstStyle>
             <a:lvl1pPr algn="l">
-              <a:defRPr sz="2000" b="1"/>
+              <a:defRPr sz="1667" b="1"/>
             </a:lvl1pPr>
           </a:lstStyle>
           <a:p>
@@ -3263,7 +4534,7 @@
               <a:rPr lang="en-US" smtClean="0"/>
               <a:t>Click to edit Master title style</a:t>
             </a:r>
-            <a:endParaRPr lang="en-US"/>
+            <a:endParaRPr lang="en-IN"/>
           </a:p>
         </p:txBody>
       </p:sp>
@@ -3279,7 +4550,7 @@
         </p:nvSpPr>
         <p:spPr>
           <a:xfrm>
-            <a:off x="3575050" y="273050"/>
+            <a:off x="3575051" y="273052"/>
             <a:ext cx="5111750" cy="5853113"/>
           </a:xfrm>
         </p:spPr>
@@ -3287,31 +4558,31 @@
           <a:bodyPr/>
           <a:lstStyle>
             <a:lvl1pPr>
-              <a:defRPr sz="3200"/>
+              <a:defRPr sz="2667"/>
             </a:lvl1pPr>
             <a:lvl2pPr>
-              <a:defRPr sz="2800"/>
+              <a:defRPr sz="2333"/>
             </a:lvl2pPr>
             <a:lvl3pPr>
-              <a:defRPr sz="2400"/>
+              <a:defRPr sz="2000"/>
             </a:lvl3pPr>
             <a:lvl4pPr>
-              <a:defRPr sz="2000"/>
+              <a:defRPr sz="1667"/>
             </a:lvl4pPr>
             <a:lvl5pPr>
-              <a:defRPr sz="2000"/>
+              <a:defRPr sz="1667"/>
             </a:lvl5pPr>
             <a:lvl6pPr>
-              <a:defRPr sz="2000"/>
+              <a:defRPr sz="1667"/>
             </a:lvl6pPr>
             <a:lvl7pPr>
-              <a:defRPr sz="2000"/>
+              <a:defRPr sz="1667"/>
             </a:lvl7pPr>
             <a:lvl8pPr>
-              <a:defRPr sz="2000"/>
+              <a:defRPr sz="1667"/>
             </a:lvl8pPr>
             <a:lvl9pPr>
-              <a:defRPr sz="2000"/>
+              <a:defRPr sz="1667"/>
             </a:lvl9pPr>
           </a:lstStyle>
           <a:p>
@@ -3348,7 +4619,7 @@
               <a:rPr lang="en-US" smtClean="0"/>
               <a:t>Fifth level</a:t>
             </a:r>
-            <a:endParaRPr lang="en-US"/>
+            <a:endParaRPr lang="en-IN"/>
           </a:p>
         </p:txBody>
       </p:sp>
@@ -3364,7 +4635,7 @@
         </p:nvSpPr>
         <p:spPr>
           <a:xfrm>
-            <a:off x="457200" y="1435100"/>
+            <a:off x="457201" y="1435102"/>
             <a:ext cx="3008313" cy="4691063"/>
           </a:xfrm>
         </p:spPr>
@@ -3373,39 +4644,39 @@
           <a:lstStyle>
             <a:lvl1pPr marL="0" indent="0">
               <a:buNone/>
-              <a:defRPr sz="1400"/>
+              <a:defRPr sz="1167"/>
             </a:lvl1pPr>
-            <a:lvl2pPr marL="457200" indent="0">
-              <a:buNone/>
-              <a:defRPr sz="1200"/>
-            </a:lvl2pPr>
-            <a:lvl3pPr marL="914400" indent="0">
+            <a:lvl2pPr marL="380985" indent="0">
               <a:buNone/>
               <a:defRPr sz="1000"/>
+            </a:lvl2pPr>
+            <a:lvl3pPr marL="761970" indent="0">
+              <a:buNone/>
+              <a:defRPr sz="833"/>
             </a:lvl3pPr>
-            <a:lvl4pPr marL="1371600" indent="0">
+            <a:lvl4pPr marL="1142954" indent="0">
               <a:buNone/>
-              <a:defRPr sz="900"/>
+              <a:defRPr sz="750"/>
             </a:lvl4pPr>
-            <a:lvl5pPr marL="1828800" indent="0">
+            <a:lvl5pPr marL="1523939" indent="0">
               <a:buNone/>
-              <a:defRPr sz="900"/>
+              <a:defRPr sz="750"/>
             </a:lvl5pPr>
-            <a:lvl6pPr marL="2286000" indent="0">
+            <a:lvl6pPr marL="1904924" indent="0">
               <a:buNone/>
-              <a:defRPr sz="900"/>
+              <a:defRPr sz="750"/>
             </a:lvl6pPr>
-            <a:lvl7pPr marL="2743200" indent="0">
+            <a:lvl7pPr marL="2285909" indent="0">
               <a:buNone/>
-              <a:defRPr sz="900"/>
+              <a:defRPr sz="750"/>
             </a:lvl7pPr>
-            <a:lvl8pPr marL="3200400" indent="0">
+            <a:lvl8pPr marL="2666893" indent="0">
               <a:buNone/>
-              <a:defRPr sz="900"/>
+              <a:defRPr sz="750"/>
             </a:lvl8pPr>
-            <a:lvl9pPr marL="3657600" indent="0">
+            <a:lvl9pPr marL="3047878" indent="0">
               <a:buNone/>
-              <a:defRPr sz="900"/>
+              <a:defRPr sz="750"/>
             </a:lvl9pPr>
           </a:lstStyle>
           <a:p>
@@ -3435,7 +4706,7 @@
             <a:fld id="{1D8BD707-D9CF-40AE-B4C6-C98DA3205C09}" type="datetimeFigureOut">
               <a:rPr lang="en-US" smtClean="0"/>
               <a:pPr/>
-              <a:t>8/7/2015</a:t>
+              <a:t>8/7/15</a:t>
             </a:fld>
             <a:endParaRPr lang="en-US"/>
           </a:p>
@@ -3485,6 +4756,11 @@
         </p:txBody>
       </p:sp>
     </p:spTree>
+    <p:extLst>
+      <p:ext uri="{BB962C8B-B14F-4D97-AF65-F5344CB8AC3E}">
+        <p14:creationId xmlns:p14="http://schemas.microsoft.com/office/powerpoint/2010/main" val="1209734969"/>
+      </p:ext>
+    </p:extLst>
   </p:cSld>
   <p:clrMapOvr>
     <a:masterClrMapping/>
@@ -3529,7 +4805,7 @@
           <a:bodyPr anchor="b"/>
           <a:lstStyle>
             <a:lvl1pPr algn="l">
-              <a:defRPr sz="2000" b="1"/>
+              <a:defRPr sz="1667" b="1"/>
             </a:lvl1pPr>
           </a:lstStyle>
           <a:p>
@@ -3537,7 +4813,7 @@
               <a:rPr lang="en-US" smtClean="0"/>
               <a:t>Click to edit Master title style</a:t>
             </a:r>
-            <a:endParaRPr lang="en-US"/>
+            <a:endParaRPr lang="en-IN"/>
           </a:p>
         </p:txBody>
       </p:sp>
@@ -3562,43 +4838,47 @@
           <a:lstStyle>
             <a:lvl1pPr marL="0" indent="0">
               <a:buNone/>
-              <a:defRPr sz="3200"/>
+              <a:defRPr sz="2667"/>
             </a:lvl1pPr>
-            <a:lvl2pPr marL="457200" indent="0">
+            <a:lvl2pPr marL="380985" indent="0">
               <a:buNone/>
-              <a:defRPr sz="2800"/>
+              <a:defRPr sz="2333"/>
             </a:lvl2pPr>
-            <a:lvl3pPr marL="914400" indent="0">
-              <a:buNone/>
-              <a:defRPr sz="2400"/>
-            </a:lvl3pPr>
-            <a:lvl4pPr marL="1371600" indent="0">
+            <a:lvl3pPr marL="761970" indent="0">
               <a:buNone/>
               <a:defRPr sz="2000"/>
+            </a:lvl3pPr>
+            <a:lvl4pPr marL="1142954" indent="0">
+              <a:buNone/>
+              <a:defRPr sz="1667"/>
             </a:lvl4pPr>
-            <a:lvl5pPr marL="1828800" indent="0">
+            <a:lvl5pPr marL="1523939" indent="0">
               <a:buNone/>
-              <a:defRPr sz="2000"/>
+              <a:defRPr sz="1667"/>
             </a:lvl5pPr>
-            <a:lvl6pPr marL="2286000" indent="0">
+            <a:lvl6pPr marL="1904924" indent="0">
               <a:buNone/>
-              <a:defRPr sz="2000"/>
+              <a:defRPr sz="1667"/>
             </a:lvl6pPr>
-            <a:lvl7pPr marL="2743200" indent="0">
+            <a:lvl7pPr marL="2285909" indent="0">
               <a:buNone/>
-              <a:defRPr sz="2000"/>
+              <a:defRPr sz="1667"/>
             </a:lvl7pPr>
-            <a:lvl8pPr marL="3200400" indent="0">
+            <a:lvl8pPr marL="2666893" indent="0">
               <a:buNone/>
-              <a:defRPr sz="2000"/>
+              <a:defRPr sz="1667"/>
             </a:lvl8pPr>
-            <a:lvl9pPr marL="3657600" indent="0">
+            <a:lvl9pPr marL="3047878" indent="0">
               <a:buNone/>
-              <a:defRPr sz="2000"/>
+              <a:defRPr sz="1667"/>
             </a:lvl9pPr>
           </a:lstStyle>
           <a:p>
-            <a:endParaRPr lang="en-US"/>
+            <a:r>
+              <a:rPr lang="en-US" smtClean="0"/>
+              <a:t>Drag picture to placeholder or click icon to add</a:t>
+            </a:r>
+            <a:endParaRPr lang="en-IN"/>
           </a:p>
         </p:txBody>
       </p:sp>
@@ -3623,39 +4903,39 @@
           <a:lstStyle>
             <a:lvl1pPr marL="0" indent="0">
               <a:buNone/>
-              <a:defRPr sz="1400"/>
+              <a:defRPr sz="1167"/>
             </a:lvl1pPr>
-            <a:lvl2pPr marL="457200" indent="0">
-              <a:buNone/>
-              <a:defRPr sz="1200"/>
-            </a:lvl2pPr>
-            <a:lvl3pPr marL="914400" indent="0">
+            <a:lvl2pPr marL="380985" indent="0">
               <a:buNone/>
               <a:defRPr sz="1000"/>
+            </a:lvl2pPr>
+            <a:lvl3pPr marL="761970" indent="0">
+              <a:buNone/>
+              <a:defRPr sz="833"/>
             </a:lvl3pPr>
-            <a:lvl4pPr marL="1371600" indent="0">
+            <a:lvl4pPr marL="1142954" indent="0">
               <a:buNone/>
-              <a:defRPr sz="900"/>
+              <a:defRPr sz="750"/>
             </a:lvl4pPr>
-            <a:lvl5pPr marL="1828800" indent="0">
+            <a:lvl5pPr marL="1523939" indent="0">
               <a:buNone/>
-              <a:defRPr sz="900"/>
+              <a:defRPr sz="750"/>
             </a:lvl5pPr>
-            <a:lvl6pPr marL="2286000" indent="0">
+            <a:lvl6pPr marL="1904924" indent="0">
               <a:buNone/>
-              <a:defRPr sz="900"/>
+              <a:defRPr sz="750"/>
             </a:lvl6pPr>
-            <a:lvl7pPr marL="2743200" indent="0">
+            <a:lvl7pPr marL="2285909" indent="0">
               <a:buNone/>
-              <a:defRPr sz="900"/>
+              <a:defRPr sz="750"/>
             </a:lvl7pPr>
-            <a:lvl8pPr marL="3200400" indent="0">
+            <a:lvl8pPr marL="2666893" indent="0">
               <a:buNone/>
-              <a:defRPr sz="900"/>
+              <a:defRPr sz="750"/>
             </a:lvl8pPr>
-            <a:lvl9pPr marL="3657600" indent="0">
+            <a:lvl9pPr marL="3047878" indent="0">
               <a:buNone/>
-              <a:defRPr sz="900"/>
+              <a:defRPr sz="750"/>
             </a:lvl9pPr>
           </a:lstStyle>
           <a:p>
@@ -3685,7 +4965,7 @@
             <a:fld id="{1D8BD707-D9CF-40AE-B4C6-C98DA3205C09}" type="datetimeFigureOut">
               <a:rPr lang="en-US" smtClean="0"/>
               <a:pPr/>
-              <a:t>8/7/2015</a:t>
+              <a:t>8/7/15</a:t>
             </a:fld>
             <a:endParaRPr lang="en-US"/>
           </a:p>
@@ -3735,6 +5015,11 @@
         </p:txBody>
       </p:sp>
     </p:spTree>
+    <p:extLst>
+      <p:ext uri="{BB962C8B-B14F-4D97-AF65-F5344CB8AC3E}">
+        <p14:creationId xmlns:p14="http://schemas.microsoft.com/office/powerpoint/2010/main" val="434290636"/>
+      </p:ext>
+    </p:extLst>
   </p:cSld>
   <p:clrMapOvr>
     <a:masterClrMapping/>
@@ -3776,8 +5061,8 @@
         </p:nvSpPr>
         <p:spPr>
           <a:xfrm>
-            <a:off x="457200" y="274638"/>
-            <a:ext cx="8229600" cy="1143000"/>
+            <a:off x="107505" y="116633"/>
+            <a:ext cx="8928992" cy="576064"/>
           </a:xfrm>
           <a:prstGeom prst="rect">
             <a:avLst/>
@@ -3793,7 +5078,7 @@
               <a:rPr lang="en-US" smtClean="0"/>
               <a:t>Click to edit Master title style</a:t>
             </a:r>
-            <a:endParaRPr lang="en-US"/>
+            <a:endParaRPr lang="en-IN" dirty="0"/>
           </a:p>
         </p:txBody>
       </p:sp>
@@ -3809,8 +5094,8 @@
         </p:nvSpPr>
         <p:spPr>
           <a:xfrm>
-            <a:off x="457200" y="1600200"/>
-            <a:ext cx="8229600" cy="4525963"/>
+            <a:off x="107505" y="764704"/>
+            <a:ext cx="8928992" cy="5544616"/>
           </a:xfrm>
           <a:prstGeom prst="rect">
             <a:avLst/>
@@ -3855,7 +5140,7 @@
               <a:rPr lang="en-US" smtClean="0"/>
               <a:t>Fifth level</a:t>
             </a:r>
-            <a:endParaRPr lang="en-US"/>
+            <a:endParaRPr lang="en-IN" dirty="0"/>
           </a:p>
         </p:txBody>
       </p:sp>
@@ -3871,7 +5156,7 @@
         </p:nvSpPr>
         <p:spPr>
           <a:xfrm>
-            <a:off x="457200" y="6356350"/>
+            <a:off x="29388" y="6469087"/>
             <a:ext cx="2133600" cy="365125"/>
           </a:xfrm>
           <a:prstGeom prst="rect">
@@ -3882,7 +5167,7 @@
           <a:bodyPr vert="horz" lIns="91440" tIns="45720" rIns="91440" bIns="45720" rtlCol="0" anchor="ctr"/>
           <a:lstStyle>
             <a:lvl1pPr algn="l">
-              <a:defRPr sz="1200">
+              <a:defRPr sz="1000">
                 <a:solidFill>
                   <a:schemeClr val="tx1">
                     <a:tint val="75000"/>
@@ -3895,7 +5180,7 @@
             <a:fld id="{1D8BD707-D9CF-40AE-B4C6-C98DA3205C09}" type="datetimeFigureOut">
               <a:rPr lang="en-US" smtClean="0"/>
               <a:pPr/>
-              <a:t>8/7/2015</a:t>
+              <a:t>8/7/15</a:t>
             </a:fld>
             <a:endParaRPr lang="en-US"/>
           </a:p>
@@ -3913,7 +5198,7 @@
         </p:nvSpPr>
         <p:spPr>
           <a:xfrm>
-            <a:off x="3124200" y="6356350"/>
+            <a:off x="3147325" y="6469087"/>
             <a:ext cx="2895600" cy="365125"/>
           </a:xfrm>
           <a:prstGeom prst="rect">
@@ -3924,7 +5209,7 @@
           <a:bodyPr vert="horz" lIns="91440" tIns="45720" rIns="91440" bIns="45720" rtlCol="0" anchor="ctr"/>
           <a:lstStyle>
             <a:lvl1pPr algn="ctr">
-              <a:defRPr sz="1200">
+              <a:defRPr sz="1000">
                 <a:solidFill>
                   <a:schemeClr val="tx1">
                     <a:tint val="75000"/>
@@ -3950,7 +5235,7 @@
         </p:nvSpPr>
         <p:spPr>
           <a:xfrm>
-            <a:off x="6553200" y="6356350"/>
+            <a:off x="6873577" y="6474087"/>
             <a:ext cx="2133600" cy="365125"/>
           </a:xfrm>
           <a:prstGeom prst="rect">
@@ -3961,7 +5246,7 @@
           <a:bodyPr vert="horz" lIns="91440" tIns="45720" rIns="91440" bIns="45720" rtlCol="0" anchor="ctr"/>
           <a:lstStyle>
             <a:lvl1pPr algn="r">
-              <a:defRPr sz="1200">
+              <a:defRPr sz="1000">
                 <a:solidFill>
                   <a:schemeClr val="tx1">
                     <a:tint val="75000"/>
@@ -3981,29 +5266,35 @@
         </p:txBody>
       </p:sp>
     </p:spTree>
+    <p:extLst>
+      <p:ext uri="{BB962C8B-B14F-4D97-AF65-F5344CB8AC3E}">
+        <p14:creationId xmlns:p14="http://schemas.microsoft.com/office/powerpoint/2010/main" val="1671581032"/>
+      </p:ext>
+    </p:extLst>
   </p:cSld>
   <p:clrMap bg1="lt1" tx1="dk1" bg2="lt2" tx2="dk2" accent1="accent1" accent2="accent2" accent3="accent3" accent4="accent4" accent5="accent5" accent6="accent6" hlink="hlink" folHlink="folHlink"/>
   <p:sldLayoutIdLst>
-    <p:sldLayoutId id="2147483649" r:id="rId1"/>
-    <p:sldLayoutId id="2147483650" r:id="rId2"/>
-    <p:sldLayoutId id="2147483651" r:id="rId3"/>
-    <p:sldLayoutId id="2147483652" r:id="rId4"/>
-    <p:sldLayoutId id="2147483653" r:id="rId5"/>
-    <p:sldLayoutId id="2147483654" r:id="rId6"/>
-    <p:sldLayoutId id="2147483655" r:id="rId7"/>
-    <p:sldLayoutId id="2147483656" r:id="rId8"/>
-    <p:sldLayoutId id="2147483657" r:id="rId9"/>
-    <p:sldLayoutId id="2147483658" r:id="rId10"/>
-    <p:sldLayoutId id="2147483659" r:id="rId11"/>
+    <p:sldLayoutId id="2147483661" r:id="rId1"/>
+    <p:sldLayoutId id="2147483662" r:id="rId2"/>
+    <p:sldLayoutId id="2147483663" r:id="rId3"/>
+    <p:sldLayoutId id="2147483664" r:id="rId4"/>
+    <p:sldLayoutId id="2147483665" r:id="rId5"/>
+    <p:sldLayoutId id="2147483666" r:id="rId6"/>
+    <p:sldLayoutId id="2147483667" r:id="rId7"/>
+    <p:sldLayoutId id="2147483668" r:id="rId8"/>
+    <p:sldLayoutId id="2147483669" r:id="rId9"/>
+    <p:sldLayoutId id="2147483670" r:id="rId10"/>
+    <p:sldLayoutId id="2147483671" r:id="rId11"/>
+    <p:sldLayoutId id="2147483672" r:id="rId12"/>
   </p:sldLayoutIdLst>
   <p:txStyles>
     <p:titleStyle>
-      <a:lvl1pPr algn="ctr" defTabSz="914400" rtl="0" eaLnBrk="1" latinLnBrk="0" hangingPunct="1">
+      <a:lvl1pPr algn="l" defTabSz="761970" rtl="0" eaLnBrk="1" latinLnBrk="0" hangingPunct="1">
         <a:spcBef>
           <a:spcPct val="0"/>
         </a:spcBef>
         <a:buNone/>
-        <a:defRPr sz="4400" kern="1200">
+        <a:defRPr sz="2667" kern="1200">
           <a:solidFill>
             <a:schemeClr val="tx1"/>
           </a:solidFill>
@@ -4014,13 +5305,13 @@
       </a:lvl1pPr>
     </p:titleStyle>
     <p:bodyStyle>
-      <a:lvl1pPr marL="342900" indent="-342900" algn="l" defTabSz="914400" rtl="0" eaLnBrk="1" latinLnBrk="0" hangingPunct="1">
+      <a:lvl1pPr marL="285739" indent="-285739" algn="l" defTabSz="761970" rtl="0" eaLnBrk="1" latinLnBrk="0" hangingPunct="1">
         <a:spcBef>
           <a:spcPct val="20000"/>
         </a:spcBef>
-        <a:buFont typeface="Arial" pitchFamily="34" charset="0"/>
+        <a:buFont typeface="Arial" panose="020B0604020202020204" pitchFamily="34" charset="0"/>
         <a:buChar char="•"/>
-        <a:defRPr sz="3200" kern="1200">
+        <a:defRPr sz="1833" kern="1200">
           <a:solidFill>
             <a:schemeClr val="tx1"/>
           </a:solidFill>
@@ -4029,13 +5320,13 @@
           <a:cs typeface="+mn-cs"/>
         </a:defRPr>
       </a:lvl1pPr>
-      <a:lvl2pPr marL="742950" indent="-285750" algn="l" defTabSz="914400" rtl="0" eaLnBrk="1" latinLnBrk="0" hangingPunct="1">
+      <a:lvl2pPr marL="619100" indent="-238115" algn="l" defTabSz="761970" rtl="0" eaLnBrk="1" latinLnBrk="0" hangingPunct="1">
         <a:spcBef>
           <a:spcPct val="20000"/>
         </a:spcBef>
-        <a:buFont typeface="Arial" pitchFamily="34" charset="0"/>
+        <a:buFont typeface="Arial" panose="020B0604020202020204" pitchFamily="34" charset="0"/>
         <a:buChar char="–"/>
-        <a:defRPr sz="2800" kern="1200">
+        <a:defRPr sz="1667" kern="1200">
           <a:solidFill>
             <a:schemeClr val="tx1"/>
           </a:solidFill>
@@ -4044,13 +5335,13 @@
           <a:cs typeface="+mn-cs"/>
         </a:defRPr>
       </a:lvl2pPr>
-      <a:lvl3pPr marL="1143000" indent="-228600" algn="l" defTabSz="914400" rtl="0" eaLnBrk="1" latinLnBrk="0" hangingPunct="1">
+      <a:lvl3pPr marL="952462" indent="-190492" algn="l" defTabSz="761970" rtl="0" eaLnBrk="1" latinLnBrk="0" hangingPunct="1">
         <a:spcBef>
           <a:spcPct val="20000"/>
         </a:spcBef>
-        <a:buFont typeface="Arial" pitchFamily="34" charset="0"/>
+        <a:buFont typeface="Arial" panose="020B0604020202020204" pitchFamily="34" charset="0"/>
         <a:buChar char="•"/>
-        <a:defRPr sz="2400" kern="1200">
+        <a:defRPr sz="1500" kern="1200">
           <a:solidFill>
             <a:schemeClr val="tx1"/>
           </a:solidFill>
@@ -4059,13 +5350,13 @@
           <a:cs typeface="+mn-cs"/>
         </a:defRPr>
       </a:lvl3pPr>
-      <a:lvl4pPr marL="1600200" indent="-228600" algn="l" defTabSz="914400" rtl="0" eaLnBrk="1" latinLnBrk="0" hangingPunct="1">
+      <a:lvl4pPr marL="1333447" indent="-190492" algn="l" defTabSz="761970" rtl="0" eaLnBrk="1" latinLnBrk="0" hangingPunct="1">
         <a:spcBef>
           <a:spcPct val="20000"/>
         </a:spcBef>
-        <a:buFont typeface="Arial" pitchFamily="34" charset="0"/>
+        <a:buFont typeface="Arial" panose="020B0604020202020204" pitchFamily="34" charset="0"/>
         <a:buChar char="–"/>
-        <a:defRPr sz="2000" kern="1200">
+        <a:defRPr sz="1333" kern="1200">
           <a:solidFill>
             <a:schemeClr val="tx1"/>
           </a:solidFill>
@@ -4074,13 +5365,13 @@
           <a:cs typeface="+mn-cs"/>
         </a:defRPr>
       </a:lvl4pPr>
-      <a:lvl5pPr marL="2057400" indent="-228600" algn="l" defTabSz="914400" rtl="0" eaLnBrk="1" latinLnBrk="0" hangingPunct="1">
+      <a:lvl5pPr marL="1714431" indent="-190492" algn="l" defTabSz="761970" rtl="0" eaLnBrk="1" latinLnBrk="0" hangingPunct="1">
         <a:spcBef>
           <a:spcPct val="20000"/>
         </a:spcBef>
-        <a:buFont typeface="Arial" pitchFamily="34" charset="0"/>
+        <a:buFont typeface="Arial" panose="020B0604020202020204" pitchFamily="34" charset="0"/>
         <a:buChar char="»"/>
-        <a:defRPr sz="2000" kern="1200">
+        <a:defRPr sz="1167" kern="1200">
           <a:solidFill>
             <a:schemeClr val="tx1"/>
           </a:solidFill>
@@ -4089,13 +5380,13 @@
           <a:cs typeface="+mn-cs"/>
         </a:defRPr>
       </a:lvl5pPr>
-      <a:lvl6pPr marL="2514600" indent="-228600" algn="l" defTabSz="914400" rtl="0" eaLnBrk="1" latinLnBrk="0" hangingPunct="1">
+      <a:lvl6pPr marL="2095416" indent="-190492" algn="l" defTabSz="761970" rtl="0" eaLnBrk="1" latinLnBrk="0" hangingPunct="1">
         <a:spcBef>
           <a:spcPct val="20000"/>
         </a:spcBef>
-        <a:buFont typeface="Arial" pitchFamily="34" charset="0"/>
+        <a:buFont typeface="Arial" panose="020B0604020202020204" pitchFamily="34" charset="0"/>
         <a:buChar char="•"/>
-        <a:defRPr sz="2000" kern="1200">
+        <a:defRPr sz="1667" kern="1200">
           <a:solidFill>
             <a:schemeClr val="tx1"/>
           </a:solidFill>
@@ -4104,13 +5395,13 @@
           <a:cs typeface="+mn-cs"/>
         </a:defRPr>
       </a:lvl6pPr>
-      <a:lvl7pPr marL="2971800" indent="-228600" algn="l" defTabSz="914400" rtl="0" eaLnBrk="1" latinLnBrk="0" hangingPunct="1">
+      <a:lvl7pPr marL="2476401" indent="-190492" algn="l" defTabSz="761970" rtl="0" eaLnBrk="1" latinLnBrk="0" hangingPunct="1">
         <a:spcBef>
           <a:spcPct val="20000"/>
         </a:spcBef>
-        <a:buFont typeface="Arial" pitchFamily="34" charset="0"/>
+        <a:buFont typeface="Arial" panose="020B0604020202020204" pitchFamily="34" charset="0"/>
         <a:buChar char="•"/>
-        <a:defRPr sz="2000" kern="1200">
+        <a:defRPr sz="1667" kern="1200">
           <a:solidFill>
             <a:schemeClr val="tx1"/>
           </a:solidFill>
@@ -4119,13 +5410,13 @@
           <a:cs typeface="+mn-cs"/>
         </a:defRPr>
       </a:lvl7pPr>
-      <a:lvl8pPr marL="3429000" indent="-228600" algn="l" defTabSz="914400" rtl="0" eaLnBrk="1" latinLnBrk="0" hangingPunct="1">
+      <a:lvl8pPr marL="2857386" indent="-190492" algn="l" defTabSz="761970" rtl="0" eaLnBrk="1" latinLnBrk="0" hangingPunct="1">
         <a:spcBef>
           <a:spcPct val="20000"/>
         </a:spcBef>
-        <a:buFont typeface="Arial" pitchFamily="34" charset="0"/>
+        <a:buFont typeface="Arial" panose="020B0604020202020204" pitchFamily="34" charset="0"/>
         <a:buChar char="•"/>
-        <a:defRPr sz="2000" kern="1200">
+        <a:defRPr sz="1667" kern="1200">
           <a:solidFill>
             <a:schemeClr val="tx1"/>
           </a:solidFill>
@@ -4134,13 +5425,13 @@
           <a:cs typeface="+mn-cs"/>
         </a:defRPr>
       </a:lvl8pPr>
-      <a:lvl9pPr marL="3886200" indent="-228600" algn="l" defTabSz="914400" rtl="0" eaLnBrk="1" latinLnBrk="0" hangingPunct="1">
+      <a:lvl9pPr marL="3238370" indent="-190492" algn="l" defTabSz="761970" rtl="0" eaLnBrk="1" latinLnBrk="0" hangingPunct="1">
         <a:spcBef>
           <a:spcPct val="20000"/>
         </a:spcBef>
-        <a:buFont typeface="Arial" pitchFamily="34" charset="0"/>
+        <a:buFont typeface="Arial" panose="020B0604020202020204" pitchFamily="34" charset="0"/>
         <a:buChar char="•"/>
-        <a:defRPr sz="2000" kern="1200">
+        <a:defRPr sz="1667" kern="1200">
           <a:solidFill>
             <a:schemeClr val="tx1"/>
           </a:solidFill>
@@ -4154,8 +5445,8 @@
       <a:defPPr>
         <a:defRPr lang="en-US"/>
       </a:defPPr>
-      <a:lvl1pPr marL="0" algn="l" defTabSz="914400" rtl="0" eaLnBrk="1" latinLnBrk="0" hangingPunct="1">
-        <a:defRPr sz="1800" kern="1200">
+      <a:lvl1pPr marL="0" algn="l" defTabSz="761970" rtl="0" eaLnBrk="1" latinLnBrk="0" hangingPunct="1">
+        <a:defRPr sz="1500" kern="1200">
           <a:solidFill>
             <a:schemeClr val="tx1"/>
           </a:solidFill>
@@ -4164,8 +5455,8 @@
           <a:cs typeface="+mn-cs"/>
         </a:defRPr>
       </a:lvl1pPr>
-      <a:lvl2pPr marL="457200" algn="l" defTabSz="914400" rtl="0" eaLnBrk="1" latinLnBrk="0" hangingPunct="1">
-        <a:defRPr sz="1800" kern="1200">
+      <a:lvl2pPr marL="380985" algn="l" defTabSz="761970" rtl="0" eaLnBrk="1" latinLnBrk="0" hangingPunct="1">
+        <a:defRPr sz="1500" kern="1200">
           <a:solidFill>
             <a:schemeClr val="tx1"/>
           </a:solidFill>
@@ -4174,8 +5465,8 @@
           <a:cs typeface="+mn-cs"/>
         </a:defRPr>
       </a:lvl2pPr>
-      <a:lvl3pPr marL="914400" algn="l" defTabSz="914400" rtl="0" eaLnBrk="1" latinLnBrk="0" hangingPunct="1">
-        <a:defRPr sz="1800" kern="1200">
+      <a:lvl3pPr marL="761970" algn="l" defTabSz="761970" rtl="0" eaLnBrk="1" latinLnBrk="0" hangingPunct="1">
+        <a:defRPr sz="1500" kern="1200">
           <a:solidFill>
             <a:schemeClr val="tx1"/>
           </a:solidFill>
@@ -4184,8 +5475,8 @@
           <a:cs typeface="+mn-cs"/>
         </a:defRPr>
       </a:lvl3pPr>
-      <a:lvl4pPr marL="1371600" algn="l" defTabSz="914400" rtl="0" eaLnBrk="1" latinLnBrk="0" hangingPunct="1">
-        <a:defRPr sz="1800" kern="1200">
+      <a:lvl4pPr marL="1142954" algn="l" defTabSz="761970" rtl="0" eaLnBrk="1" latinLnBrk="0" hangingPunct="1">
+        <a:defRPr sz="1500" kern="1200">
           <a:solidFill>
             <a:schemeClr val="tx1"/>
           </a:solidFill>
@@ -4194,8 +5485,8 @@
           <a:cs typeface="+mn-cs"/>
         </a:defRPr>
       </a:lvl4pPr>
-      <a:lvl5pPr marL="1828800" algn="l" defTabSz="914400" rtl="0" eaLnBrk="1" latinLnBrk="0" hangingPunct="1">
-        <a:defRPr sz="1800" kern="1200">
+      <a:lvl5pPr marL="1523939" algn="l" defTabSz="761970" rtl="0" eaLnBrk="1" latinLnBrk="0" hangingPunct="1">
+        <a:defRPr sz="1500" kern="1200">
           <a:solidFill>
             <a:schemeClr val="tx1"/>
           </a:solidFill>
@@ -4204,8 +5495,8 @@
           <a:cs typeface="+mn-cs"/>
         </a:defRPr>
       </a:lvl5pPr>
-      <a:lvl6pPr marL="2286000" algn="l" defTabSz="914400" rtl="0" eaLnBrk="1" latinLnBrk="0" hangingPunct="1">
-        <a:defRPr sz="1800" kern="1200">
+      <a:lvl6pPr marL="1904924" algn="l" defTabSz="761970" rtl="0" eaLnBrk="1" latinLnBrk="0" hangingPunct="1">
+        <a:defRPr sz="1500" kern="1200">
           <a:solidFill>
             <a:schemeClr val="tx1"/>
           </a:solidFill>
@@ -4214,8 +5505,8 @@
           <a:cs typeface="+mn-cs"/>
         </a:defRPr>
       </a:lvl6pPr>
-      <a:lvl7pPr marL="2743200" algn="l" defTabSz="914400" rtl="0" eaLnBrk="1" latinLnBrk="0" hangingPunct="1">
-        <a:defRPr sz="1800" kern="1200">
+      <a:lvl7pPr marL="2285909" algn="l" defTabSz="761970" rtl="0" eaLnBrk="1" latinLnBrk="0" hangingPunct="1">
+        <a:defRPr sz="1500" kern="1200">
           <a:solidFill>
             <a:schemeClr val="tx1"/>
           </a:solidFill>
@@ -4224,8 +5515,8 @@
           <a:cs typeface="+mn-cs"/>
         </a:defRPr>
       </a:lvl7pPr>
-      <a:lvl8pPr marL="3200400" algn="l" defTabSz="914400" rtl="0" eaLnBrk="1" latinLnBrk="0" hangingPunct="1">
-        <a:defRPr sz="1800" kern="1200">
+      <a:lvl8pPr marL="2666893" algn="l" defTabSz="761970" rtl="0" eaLnBrk="1" latinLnBrk="0" hangingPunct="1">
+        <a:defRPr sz="1500" kern="1200">
           <a:solidFill>
             <a:schemeClr val="tx1"/>
           </a:solidFill>
@@ -4234,8 +5525,8 @@
           <a:cs typeface="+mn-cs"/>
         </a:defRPr>
       </a:lvl8pPr>
-      <a:lvl9pPr marL="3657600" algn="l" defTabSz="914400" rtl="0" eaLnBrk="1" latinLnBrk="0" hangingPunct="1">
-        <a:defRPr sz="1800" kern="1200">
+      <a:lvl9pPr marL="3047878" algn="l" defTabSz="761970" rtl="0" eaLnBrk="1" latinLnBrk="0" hangingPunct="1">
+        <a:defRPr sz="1500" kern="1200">
           <a:solidFill>
             <a:schemeClr val="tx1"/>
           </a:solidFill>
@@ -4291,11 +5582,7 @@
             </a:r>
             <a:r>
               <a:rPr lang="en-US" dirty="0" smtClean="0"/>
-              <a:t> </a:t>
-            </a:r>
-            <a:r>
-              <a:rPr lang="en-US" dirty="0" smtClean="0"/>
-              <a:t>Agent</a:t>
+              <a:t> Agent</a:t>
             </a:r>
             <a:endParaRPr lang="en-US" dirty="0"/>
           </a:p>
@@ -5224,7 +6511,7 @@
         </p:nvGraphicFramePr>
         <p:xfrm>
           <a:off x="304800" y="1219200"/>
-          <a:ext cx="8551806" cy="2651760"/>
+          <a:ext cx="8551806" cy="2286000"/>
         </p:xfrm>
         <a:graphic>
           <a:graphicData uri="http://schemas.openxmlformats.org/drawingml/2006/table">
@@ -6546,6 +7833,13 @@
   <p:clrMapOvr>
     <a:masterClrMapping/>
   </p:clrMapOvr>
+  <p:timing>
+    <p:tnLst>
+      <p:par>
+        <p:cTn id="1" dur="indefinite" restart="never" nodeType="tmRoot"/>
+      </p:par>
+    </p:tnLst>
+  </p:timing>
 </p:sld>
 </file>
 
@@ -6658,6 +7952,13 @@
   <p:clrMapOvr>
     <a:masterClrMapping/>
   </p:clrMapOvr>
+  <p:timing>
+    <p:tnLst>
+      <p:par>
+        <p:cTn id="1" dur="indefinite" restart="never" nodeType="tmRoot"/>
+      </p:par>
+    </p:tnLst>
+  </p:timing>
 </p:sld>
 </file>
 
@@ -7665,1446 +8966,6 @@
               <a:rPr lang="en-US" sz="1400" dirty="0"/>
               <a:t>://openflow.stanford.edu/display/ONL/POX+Wiki#POXWiki-TheLearnAction</a:t>
             </a:r>
-          </a:p>
-        </p:txBody>
-      </p:sp>
-      <p:sp>
-        <p:nvSpPr>
-          <p:cNvPr id="16" name="Freeform 15"/>
-          <p:cNvSpPr/>
-          <p:nvPr/>
-        </p:nvSpPr>
-        <p:spPr>
-          <a:xfrm>
-            <a:off x="1301538" y="728420"/>
-            <a:ext cx="2944678" cy="5052448"/>
-          </a:xfrm>
-          <a:custGeom>
-            <a:avLst/>
-            <a:gdLst>
-              <a:gd name="connsiteX0" fmla="*/ 2944678 w 2944678"/>
-              <a:gd name="connsiteY0" fmla="*/ 1332855 h 5052448"/>
-              <a:gd name="connsiteX1" fmla="*/ 2867187 w 2944678"/>
-              <a:gd name="connsiteY1" fmla="*/ 1394848 h 5052448"/>
-              <a:gd name="connsiteX2" fmla="*/ 2727702 w 2944678"/>
-              <a:gd name="connsiteY2" fmla="*/ 1503336 h 5052448"/>
-              <a:gd name="connsiteX3" fmla="*/ 2665709 w 2944678"/>
-              <a:gd name="connsiteY3" fmla="*/ 1534333 h 5052448"/>
-              <a:gd name="connsiteX4" fmla="*/ 2619214 w 2944678"/>
-              <a:gd name="connsiteY4" fmla="*/ 1549831 h 5052448"/>
-              <a:gd name="connsiteX5" fmla="*/ 2510726 w 2944678"/>
-              <a:gd name="connsiteY5" fmla="*/ 1596326 h 5052448"/>
-              <a:gd name="connsiteX6" fmla="*/ 2402238 w 2944678"/>
-              <a:gd name="connsiteY6" fmla="*/ 1673817 h 5052448"/>
-              <a:gd name="connsiteX7" fmla="*/ 2309248 w 2944678"/>
-              <a:gd name="connsiteY7" fmla="*/ 1735811 h 5052448"/>
-              <a:gd name="connsiteX8" fmla="*/ 2216258 w 2944678"/>
-              <a:gd name="connsiteY8" fmla="*/ 1828800 h 5052448"/>
-              <a:gd name="connsiteX9" fmla="*/ 2138767 w 2944678"/>
-              <a:gd name="connsiteY9" fmla="*/ 1906292 h 5052448"/>
-              <a:gd name="connsiteX10" fmla="*/ 2107770 w 2944678"/>
-              <a:gd name="connsiteY10" fmla="*/ 1952787 h 5052448"/>
-              <a:gd name="connsiteX11" fmla="*/ 2092272 w 2944678"/>
-              <a:gd name="connsiteY11" fmla="*/ 1999282 h 5052448"/>
-              <a:gd name="connsiteX12" fmla="*/ 2045777 w 2944678"/>
-              <a:gd name="connsiteY12" fmla="*/ 2045777 h 5052448"/>
-              <a:gd name="connsiteX13" fmla="*/ 1968285 w 2944678"/>
-              <a:gd name="connsiteY13" fmla="*/ 2154265 h 5052448"/>
-              <a:gd name="connsiteX14" fmla="*/ 1952787 w 2944678"/>
-              <a:gd name="connsiteY14" fmla="*/ 2200760 h 5052448"/>
-              <a:gd name="connsiteX15" fmla="*/ 1890794 w 2944678"/>
-              <a:gd name="connsiteY15" fmla="*/ 2293749 h 5052448"/>
-              <a:gd name="connsiteX16" fmla="*/ 1875295 w 2944678"/>
-              <a:gd name="connsiteY16" fmla="*/ 2417736 h 5052448"/>
-              <a:gd name="connsiteX17" fmla="*/ 1859797 w 2944678"/>
-              <a:gd name="connsiteY17" fmla="*/ 2510726 h 5052448"/>
-              <a:gd name="connsiteX18" fmla="*/ 1844299 w 2944678"/>
-              <a:gd name="connsiteY18" fmla="*/ 2836190 h 5052448"/>
-              <a:gd name="connsiteX19" fmla="*/ 1828800 w 2944678"/>
-              <a:gd name="connsiteY19" fmla="*/ 2898183 h 5052448"/>
-              <a:gd name="connsiteX20" fmla="*/ 1813302 w 2944678"/>
-              <a:gd name="connsiteY20" fmla="*/ 2975675 h 5052448"/>
-              <a:gd name="connsiteX21" fmla="*/ 1782306 w 2944678"/>
-              <a:gd name="connsiteY21" fmla="*/ 3068665 h 5052448"/>
-              <a:gd name="connsiteX22" fmla="*/ 1751309 w 2944678"/>
-              <a:gd name="connsiteY22" fmla="*/ 3177153 h 5052448"/>
-              <a:gd name="connsiteX23" fmla="*/ 1720312 w 2944678"/>
-              <a:gd name="connsiteY23" fmla="*/ 3223648 h 5052448"/>
-              <a:gd name="connsiteX24" fmla="*/ 1689316 w 2944678"/>
-              <a:gd name="connsiteY24" fmla="*/ 3332136 h 5052448"/>
-              <a:gd name="connsiteX25" fmla="*/ 1673817 w 2944678"/>
-              <a:gd name="connsiteY25" fmla="*/ 3394129 h 5052448"/>
-              <a:gd name="connsiteX26" fmla="*/ 1642821 w 2944678"/>
-              <a:gd name="connsiteY26" fmla="*/ 3502617 h 5052448"/>
-              <a:gd name="connsiteX27" fmla="*/ 1611824 w 2944678"/>
-              <a:gd name="connsiteY27" fmla="*/ 3657600 h 5052448"/>
-              <a:gd name="connsiteX28" fmla="*/ 1565329 w 2944678"/>
-              <a:gd name="connsiteY28" fmla="*/ 4029560 h 5052448"/>
-              <a:gd name="connsiteX29" fmla="*/ 1549831 w 2944678"/>
-              <a:gd name="connsiteY29" fmla="*/ 4138048 h 5052448"/>
-              <a:gd name="connsiteX30" fmla="*/ 1534333 w 2944678"/>
-              <a:gd name="connsiteY30" fmla="*/ 4200041 h 5052448"/>
-              <a:gd name="connsiteX31" fmla="*/ 1518834 w 2944678"/>
-              <a:gd name="connsiteY31" fmla="*/ 4324027 h 5052448"/>
-              <a:gd name="connsiteX32" fmla="*/ 1503336 w 2944678"/>
-              <a:gd name="connsiteY32" fmla="*/ 4401519 h 5052448"/>
-              <a:gd name="connsiteX33" fmla="*/ 1487838 w 2944678"/>
-              <a:gd name="connsiteY33" fmla="*/ 4510007 h 5052448"/>
-              <a:gd name="connsiteX34" fmla="*/ 1472339 w 2944678"/>
-              <a:gd name="connsiteY34" fmla="*/ 4556502 h 5052448"/>
-              <a:gd name="connsiteX35" fmla="*/ 1425845 w 2944678"/>
-              <a:gd name="connsiteY35" fmla="*/ 4711485 h 5052448"/>
-              <a:gd name="connsiteX36" fmla="*/ 1410346 w 2944678"/>
-              <a:gd name="connsiteY36" fmla="*/ 4757980 h 5052448"/>
-              <a:gd name="connsiteX37" fmla="*/ 1394848 w 2944678"/>
-              <a:gd name="connsiteY37" fmla="*/ 4804475 h 5052448"/>
-              <a:gd name="connsiteX38" fmla="*/ 1317356 w 2944678"/>
-              <a:gd name="connsiteY38" fmla="*/ 4943960 h 5052448"/>
-              <a:gd name="connsiteX39" fmla="*/ 1224367 w 2944678"/>
-              <a:gd name="connsiteY39" fmla="*/ 4990455 h 5052448"/>
-              <a:gd name="connsiteX40" fmla="*/ 1177872 w 2944678"/>
-              <a:gd name="connsiteY40" fmla="*/ 5021451 h 5052448"/>
-              <a:gd name="connsiteX41" fmla="*/ 1053885 w 2944678"/>
-              <a:gd name="connsiteY41" fmla="*/ 5052448 h 5052448"/>
-              <a:gd name="connsiteX42" fmla="*/ 821411 w 2944678"/>
-              <a:gd name="connsiteY42" fmla="*/ 5036949 h 5052448"/>
-              <a:gd name="connsiteX43" fmla="*/ 728421 w 2944678"/>
-              <a:gd name="connsiteY43" fmla="*/ 5005953 h 5052448"/>
-              <a:gd name="connsiteX44" fmla="*/ 635431 w 2944678"/>
-              <a:gd name="connsiteY44" fmla="*/ 4974956 h 5052448"/>
-              <a:gd name="connsiteX45" fmla="*/ 588936 w 2944678"/>
-              <a:gd name="connsiteY45" fmla="*/ 4959458 h 5052448"/>
-              <a:gd name="connsiteX46" fmla="*/ 418455 w 2944678"/>
-              <a:gd name="connsiteY46" fmla="*/ 4912963 h 5052448"/>
-              <a:gd name="connsiteX47" fmla="*/ 371960 w 2944678"/>
-              <a:gd name="connsiteY47" fmla="*/ 4897465 h 5052448"/>
-              <a:gd name="connsiteX48" fmla="*/ 263472 w 2944678"/>
-              <a:gd name="connsiteY48" fmla="*/ 4773478 h 5052448"/>
-              <a:gd name="connsiteX49" fmla="*/ 232475 w 2944678"/>
-              <a:gd name="connsiteY49" fmla="*/ 4680488 h 5052448"/>
-              <a:gd name="connsiteX50" fmla="*/ 216977 w 2944678"/>
-              <a:gd name="connsiteY50" fmla="*/ 4618495 h 5052448"/>
-              <a:gd name="connsiteX51" fmla="*/ 185980 w 2944678"/>
-              <a:gd name="connsiteY51" fmla="*/ 4525505 h 5052448"/>
-              <a:gd name="connsiteX52" fmla="*/ 154984 w 2944678"/>
-              <a:gd name="connsiteY52" fmla="*/ 4432516 h 5052448"/>
-              <a:gd name="connsiteX53" fmla="*/ 139485 w 2944678"/>
-              <a:gd name="connsiteY53" fmla="*/ 4386021 h 5052448"/>
-              <a:gd name="connsiteX54" fmla="*/ 123987 w 2944678"/>
-              <a:gd name="connsiteY54" fmla="*/ 4293031 h 5052448"/>
-              <a:gd name="connsiteX55" fmla="*/ 108489 w 2944678"/>
-              <a:gd name="connsiteY55" fmla="*/ 4246536 h 5052448"/>
-              <a:gd name="connsiteX56" fmla="*/ 92990 w 2944678"/>
-              <a:gd name="connsiteY56" fmla="*/ 4138048 h 5052448"/>
-              <a:gd name="connsiteX57" fmla="*/ 108489 w 2944678"/>
-              <a:gd name="connsiteY57" fmla="*/ 3766088 h 5052448"/>
-              <a:gd name="connsiteX58" fmla="*/ 123987 w 2944678"/>
-              <a:gd name="connsiteY58" fmla="*/ 3704095 h 5052448"/>
-              <a:gd name="connsiteX59" fmla="*/ 108489 w 2944678"/>
-              <a:gd name="connsiteY59" fmla="*/ 2758699 h 5052448"/>
-              <a:gd name="connsiteX60" fmla="*/ 77492 w 2944678"/>
-              <a:gd name="connsiteY60" fmla="*/ 2619214 h 5052448"/>
-              <a:gd name="connsiteX61" fmla="*/ 61994 w 2944678"/>
-              <a:gd name="connsiteY61" fmla="*/ 2557221 h 5052448"/>
-              <a:gd name="connsiteX62" fmla="*/ 46495 w 2944678"/>
-              <a:gd name="connsiteY62" fmla="*/ 2479729 h 5052448"/>
-              <a:gd name="connsiteX63" fmla="*/ 30997 w 2944678"/>
-              <a:gd name="connsiteY63" fmla="*/ 2386739 h 5052448"/>
-              <a:gd name="connsiteX64" fmla="*/ 15499 w 2944678"/>
-              <a:gd name="connsiteY64" fmla="*/ 2340244 h 5052448"/>
-              <a:gd name="connsiteX65" fmla="*/ 0 w 2944678"/>
-              <a:gd name="connsiteY65" fmla="*/ 2278251 h 5052448"/>
-              <a:gd name="connsiteX66" fmla="*/ 15499 w 2944678"/>
-              <a:gd name="connsiteY66" fmla="*/ 1999282 h 5052448"/>
-              <a:gd name="connsiteX67" fmla="*/ 46495 w 2944678"/>
-              <a:gd name="connsiteY67" fmla="*/ 1906292 h 5052448"/>
-              <a:gd name="connsiteX68" fmla="*/ 108489 w 2944678"/>
-              <a:gd name="connsiteY68" fmla="*/ 1813302 h 5052448"/>
-              <a:gd name="connsiteX69" fmla="*/ 139485 w 2944678"/>
-              <a:gd name="connsiteY69" fmla="*/ 1720312 h 5052448"/>
-              <a:gd name="connsiteX70" fmla="*/ 154984 w 2944678"/>
-              <a:gd name="connsiteY70" fmla="*/ 1673817 h 5052448"/>
-              <a:gd name="connsiteX71" fmla="*/ 170482 w 2944678"/>
-              <a:gd name="connsiteY71" fmla="*/ 1611824 h 5052448"/>
-              <a:gd name="connsiteX72" fmla="*/ 201478 w 2944678"/>
-              <a:gd name="connsiteY72" fmla="*/ 1518834 h 5052448"/>
-              <a:gd name="connsiteX73" fmla="*/ 216977 w 2944678"/>
-              <a:gd name="connsiteY73" fmla="*/ 1472339 h 5052448"/>
-              <a:gd name="connsiteX74" fmla="*/ 216977 w 2944678"/>
-              <a:gd name="connsiteY74" fmla="*/ 573438 h 5052448"/>
-              <a:gd name="connsiteX75" fmla="*/ 185980 w 2944678"/>
-              <a:gd name="connsiteY75" fmla="*/ 480448 h 5052448"/>
-              <a:gd name="connsiteX76" fmla="*/ 154984 w 2944678"/>
-              <a:gd name="connsiteY76" fmla="*/ 371960 h 5052448"/>
-              <a:gd name="connsiteX77" fmla="*/ 139485 w 2944678"/>
-              <a:gd name="connsiteY77" fmla="*/ 325465 h 5052448"/>
-              <a:gd name="connsiteX78" fmla="*/ 139485 w 2944678"/>
-              <a:gd name="connsiteY78" fmla="*/ 0 h 5052448"/>
-            </a:gdLst>
-            <a:ahLst/>
-            <a:cxnLst>
-              <a:cxn ang="0">
-                <a:pos x="connsiteX0" y="connsiteY0"/>
-              </a:cxn>
-              <a:cxn ang="0">
-                <a:pos x="connsiteX1" y="connsiteY1"/>
-              </a:cxn>
-              <a:cxn ang="0">
-                <a:pos x="connsiteX2" y="connsiteY2"/>
-              </a:cxn>
-              <a:cxn ang="0">
-                <a:pos x="connsiteX3" y="connsiteY3"/>
-              </a:cxn>
-              <a:cxn ang="0">
-                <a:pos x="connsiteX4" y="connsiteY4"/>
-              </a:cxn>
-              <a:cxn ang="0">
-                <a:pos x="connsiteX5" y="connsiteY5"/>
-              </a:cxn>
-              <a:cxn ang="0">
-                <a:pos x="connsiteX6" y="connsiteY6"/>
-              </a:cxn>
-              <a:cxn ang="0">
-                <a:pos x="connsiteX7" y="connsiteY7"/>
-              </a:cxn>
-              <a:cxn ang="0">
-                <a:pos x="connsiteX8" y="connsiteY8"/>
-              </a:cxn>
-              <a:cxn ang="0">
-                <a:pos x="connsiteX9" y="connsiteY9"/>
-              </a:cxn>
-              <a:cxn ang="0">
-                <a:pos x="connsiteX10" y="connsiteY10"/>
-              </a:cxn>
-              <a:cxn ang="0">
-                <a:pos x="connsiteX11" y="connsiteY11"/>
-              </a:cxn>
-              <a:cxn ang="0">
-                <a:pos x="connsiteX12" y="connsiteY12"/>
-              </a:cxn>
-              <a:cxn ang="0">
-                <a:pos x="connsiteX13" y="connsiteY13"/>
-              </a:cxn>
-              <a:cxn ang="0">
-                <a:pos x="connsiteX14" y="connsiteY14"/>
-              </a:cxn>
-              <a:cxn ang="0">
-                <a:pos x="connsiteX15" y="connsiteY15"/>
-              </a:cxn>
-              <a:cxn ang="0">
-                <a:pos x="connsiteX16" y="connsiteY16"/>
-              </a:cxn>
-              <a:cxn ang="0">
-                <a:pos x="connsiteX17" y="connsiteY17"/>
-              </a:cxn>
-              <a:cxn ang="0">
-                <a:pos x="connsiteX18" y="connsiteY18"/>
-              </a:cxn>
-              <a:cxn ang="0">
-                <a:pos x="connsiteX19" y="connsiteY19"/>
-              </a:cxn>
-              <a:cxn ang="0">
-                <a:pos x="connsiteX20" y="connsiteY20"/>
-              </a:cxn>
-              <a:cxn ang="0">
-                <a:pos x="connsiteX21" y="connsiteY21"/>
-              </a:cxn>
-              <a:cxn ang="0">
-                <a:pos x="connsiteX22" y="connsiteY22"/>
-              </a:cxn>
-              <a:cxn ang="0">
-                <a:pos x="connsiteX23" y="connsiteY23"/>
-              </a:cxn>
-              <a:cxn ang="0">
-                <a:pos x="connsiteX24" y="connsiteY24"/>
-              </a:cxn>
-              <a:cxn ang="0">
-                <a:pos x="connsiteX25" y="connsiteY25"/>
-              </a:cxn>
-              <a:cxn ang="0">
-                <a:pos x="connsiteX26" y="connsiteY26"/>
-              </a:cxn>
-              <a:cxn ang="0">
-                <a:pos x="connsiteX27" y="connsiteY27"/>
-              </a:cxn>
-              <a:cxn ang="0">
-                <a:pos x="connsiteX28" y="connsiteY28"/>
-              </a:cxn>
-              <a:cxn ang="0">
-                <a:pos x="connsiteX29" y="connsiteY29"/>
-              </a:cxn>
-              <a:cxn ang="0">
-                <a:pos x="connsiteX30" y="connsiteY30"/>
-              </a:cxn>
-              <a:cxn ang="0">
-                <a:pos x="connsiteX31" y="connsiteY31"/>
-              </a:cxn>
-              <a:cxn ang="0">
-                <a:pos x="connsiteX32" y="connsiteY32"/>
-              </a:cxn>
-              <a:cxn ang="0">
-                <a:pos x="connsiteX33" y="connsiteY33"/>
-              </a:cxn>
-              <a:cxn ang="0">
-                <a:pos x="connsiteX34" y="connsiteY34"/>
-              </a:cxn>
-              <a:cxn ang="0">
-                <a:pos x="connsiteX35" y="connsiteY35"/>
-              </a:cxn>
-              <a:cxn ang="0">
-                <a:pos x="connsiteX36" y="connsiteY36"/>
-              </a:cxn>
-              <a:cxn ang="0">
-                <a:pos x="connsiteX37" y="connsiteY37"/>
-              </a:cxn>
-              <a:cxn ang="0">
-                <a:pos x="connsiteX38" y="connsiteY38"/>
-              </a:cxn>
-              <a:cxn ang="0">
-                <a:pos x="connsiteX39" y="connsiteY39"/>
-              </a:cxn>
-              <a:cxn ang="0">
-                <a:pos x="connsiteX40" y="connsiteY40"/>
-              </a:cxn>
-              <a:cxn ang="0">
-                <a:pos x="connsiteX41" y="connsiteY41"/>
-              </a:cxn>
-              <a:cxn ang="0">
-                <a:pos x="connsiteX42" y="connsiteY42"/>
-              </a:cxn>
-              <a:cxn ang="0">
-                <a:pos x="connsiteX43" y="connsiteY43"/>
-              </a:cxn>
-              <a:cxn ang="0">
-                <a:pos x="connsiteX44" y="connsiteY44"/>
-              </a:cxn>
-              <a:cxn ang="0">
-                <a:pos x="connsiteX45" y="connsiteY45"/>
-              </a:cxn>
-              <a:cxn ang="0">
-                <a:pos x="connsiteX46" y="connsiteY46"/>
-              </a:cxn>
-              <a:cxn ang="0">
-                <a:pos x="connsiteX47" y="connsiteY47"/>
-              </a:cxn>
-              <a:cxn ang="0">
-                <a:pos x="connsiteX48" y="connsiteY48"/>
-              </a:cxn>
-              <a:cxn ang="0">
-                <a:pos x="connsiteX49" y="connsiteY49"/>
-              </a:cxn>
-              <a:cxn ang="0">
-                <a:pos x="connsiteX50" y="connsiteY50"/>
-              </a:cxn>
-              <a:cxn ang="0">
-                <a:pos x="connsiteX51" y="connsiteY51"/>
-              </a:cxn>
-              <a:cxn ang="0">
-                <a:pos x="connsiteX52" y="connsiteY52"/>
-              </a:cxn>
-              <a:cxn ang="0">
-                <a:pos x="connsiteX53" y="connsiteY53"/>
-              </a:cxn>
-              <a:cxn ang="0">
-                <a:pos x="connsiteX54" y="connsiteY54"/>
-              </a:cxn>
-              <a:cxn ang="0">
-                <a:pos x="connsiteX55" y="connsiteY55"/>
-              </a:cxn>
-              <a:cxn ang="0">
-                <a:pos x="connsiteX56" y="connsiteY56"/>
-              </a:cxn>
-              <a:cxn ang="0">
-                <a:pos x="connsiteX57" y="connsiteY57"/>
-              </a:cxn>
-              <a:cxn ang="0">
-                <a:pos x="connsiteX58" y="connsiteY58"/>
-              </a:cxn>
-              <a:cxn ang="0">
-                <a:pos x="connsiteX59" y="connsiteY59"/>
-              </a:cxn>
-              <a:cxn ang="0">
-                <a:pos x="connsiteX60" y="connsiteY60"/>
-              </a:cxn>
-              <a:cxn ang="0">
-                <a:pos x="connsiteX61" y="connsiteY61"/>
-              </a:cxn>
-              <a:cxn ang="0">
-                <a:pos x="connsiteX62" y="connsiteY62"/>
-              </a:cxn>
-              <a:cxn ang="0">
-                <a:pos x="connsiteX63" y="connsiteY63"/>
-              </a:cxn>
-              <a:cxn ang="0">
-                <a:pos x="connsiteX64" y="connsiteY64"/>
-              </a:cxn>
-              <a:cxn ang="0">
-                <a:pos x="connsiteX65" y="connsiteY65"/>
-              </a:cxn>
-              <a:cxn ang="0">
-                <a:pos x="connsiteX66" y="connsiteY66"/>
-              </a:cxn>
-              <a:cxn ang="0">
-                <a:pos x="connsiteX67" y="connsiteY67"/>
-              </a:cxn>
-              <a:cxn ang="0">
-                <a:pos x="connsiteX68" y="connsiteY68"/>
-              </a:cxn>
-              <a:cxn ang="0">
-                <a:pos x="connsiteX69" y="connsiteY69"/>
-              </a:cxn>
-              <a:cxn ang="0">
-                <a:pos x="connsiteX70" y="connsiteY70"/>
-              </a:cxn>
-              <a:cxn ang="0">
-                <a:pos x="connsiteX71" y="connsiteY71"/>
-              </a:cxn>
-              <a:cxn ang="0">
-                <a:pos x="connsiteX72" y="connsiteY72"/>
-              </a:cxn>
-              <a:cxn ang="0">
-                <a:pos x="connsiteX73" y="connsiteY73"/>
-              </a:cxn>
-              <a:cxn ang="0">
-                <a:pos x="connsiteX74" y="connsiteY74"/>
-              </a:cxn>
-              <a:cxn ang="0">
-                <a:pos x="connsiteX75" y="connsiteY75"/>
-              </a:cxn>
-              <a:cxn ang="0">
-                <a:pos x="connsiteX76" y="connsiteY76"/>
-              </a:cxn>
-              <a:cxn ang="0">
-                <a:pos x="connsiteX77" y="connsiteY77"/>
-              </a:cxn>
-              <a:cxn ang="0">
-                <a:pos x="connsiteX78" y="connsiteY78"/>
-              </a:cxn>
-            </a:cxnLst>
-            <a:rect l="l" t="t" r="r" b="b"/>
-            <a:pathLst>
-              <a:path w="2944678" h="5052448">
-                <a:moveTo>
-                  <a:pt x="2944678" y="1332855"/>
-                </a:moveTo>
-                <a:cubicBezTo>
-                  <a:pt x="2918848" y="1353519"/>
-                  <a:pt x="2892081" y="1373065"/>
-                  <a:pt x="2867187" y="1394848"/>
-                </a:cubicBezTo>
-                <a:cubicBezTo>
-                  <a:pt x="2799154" y="1454377"/>
-                  <a:pt x="2830764" y="1451804"/>
-                  <a:pt x="2727702" y="1503336"/>
-                </a:cubicBezTo>
-                <a:cubicBezTo>
-                  <a:pt x="2707038" y="1513668"/>
-                  <a:pt x="2686944" y="1525232"/>
-                  <a:pt x="2665709" y="1534333"/>
-                </a:cubicBezTo>
-                <a:cubicBezTo>
-                  <a:pt x="2650693" y="1540768"/>
-                  <a:pt x="2633826" y="1542525"/>
-                  <a:pt x="2619214" y="1549831"/>
-                </a:cubicBezTo>
-                <a:cubicBezTo>
-                  <a:pt x="2512181" y="1603346"/>
-                  <a:pt x="2639750" y="1564068"/>
-                  <a:pt x="2510726" y="1596326"/>
-                </a:cubicBezTo>
-                <a:cubicBezTo>
-                  <a:pt x="2359618" y="1697062"/>
-                  <a:pt x="2594400" y="1539303"/>
-                  <a:pt x="2402238" y="1673817"/>
-                </a:cubicBezTo>
-                <a:cubicBezTo>
-                  <a:pt x="2371719" y="1695181"/>
-                  <a:pt x="2335590" y="1709469"/>
-                  <a:pt x="2309248" y="1735811"/>
-                </a:cubicBezTo>
-                <a:cubicBezTo>
-                  <a:pt x="2278251" y="1766807"/>
-                  <a:pt x="2240573" y="1792326"/>
-                  <a:pt x="2216258" y="1828800"/>
-                </a:cubicBezTo>
-                <a:cubicBezTo>
-                  <a:pt x="2174930" y="1890793"/>
-                  <a:pt x="2200760" y="1864963"/>
-                  <a:pt x="2138767" y="1906292"/>
-                </a:cubicBezTo>
-                <a:cubicBezTo>
-                  <a:pt x="2128435" y="1921790"/>
-                  <a:pt x="2116100" y="1936127"/>
-                  <a:pt x="2107770" y="1952787"/>
-                </a:cubicBezTo>
-                <a:cubicBezTo>
-                  <a:pt x="2100464" y="1967399"/>
-                  <a:pt x="2101334" y="1985689"/>
-                  <a:pt x="2092272" y="1999282"/>
-                </a:cubicBezTo>
-                <a:cubicBezTo>
-                  <a:pt x="2080114" y="2017519"/>
-                  <a:pt x="2060041" y="2029136"/>
-                  <a:pt x="2045777" y="2045777"/>
-                </a:cubicBezTo>
-                <a:cubicBezTo>
-                  <a:pt x="2016942" y="2079418"/>
-                  <a:pt x="1992816" y="2117469"/>
-                  <a:pt x="1968285" y="2154265"/>
-                </a:cubicBezTo>
-                <a:cubicBezTo>
-                  <a:pt x="1963119" y="2169763"/>
-                  <a:pt x="1961849" y="2187167"/>
-                  <a:pt x="1952787" y="2200760"/>
-                </a:cubicBezTo>
-                <a:cubicBezTo>
-                  <a:pt x="1875391" y="2316854"/>
-                  <a:pt x="1927645" y="2183196"/>
-                  <a:pt x="1890794" y="2293749"/>
-                </a:cubicBezTo>
-                <a:cubicBezTo>
-                  <a:pt x="1885628" y="2335078"/>
-                  <a:pt x="1881185" y="2376504"/>
-                  <a:pt x="1875295" y="2417736"/>
-                </a:cubicBezTo>
-                <a:cubicBezTo>
-                  <a:pt x="1870851" y="2448844"/>
-                  <a:pt x="1862118" y="2479388"/>
-                  <a:pt x="1859797" y="2510726"/>
-                </a:cubicBezTo>
-                <a:cubicBezTo>
-                  <a:pt x="1851774" y="2619040"/>
-                  <a:pt x="1852960" y="2727925"/>
-                  <a:pt x="1844299" y="2836190"/>
-                </a:cubicBezTo>
-                <a:cubicBezTo>
-                  <a:pt x="1842600" y="2857423"/>
-                  <a:pt x="1833421" y="2877390"/>
-                  <a:pt x="1828800" y="2898183"/>
-                </a:cubicBezTo>
-                <a:cubicBezTo>
-                  <a:pt x="1823086" y="2923898"/>
-                  <a:pt x="1820233" y="2950261"/>
-                  <a:pt x="1813302" y="2975675"/>
-                </a:cubicBezTo>
-                <a:cubicBezTo>
-                  <a:pt x="1804705" y="3007197"/>
-                  <a:pt x="1790231" y="3036967"/>
-                  <a:pt x="1782306" y="3068665"/>
-                </a:cubicBezTo>
-                <a:cubicBezTo>
-                  <a:pt x="1777341" y="3088522"/>
-                  <a:pt x="1762424" y="3154923"/>
-                  <a:pt x="1751309" y="3177153"/>
-                </a:cubicBezTo>
-                <a:cubicBezTo>
-                  <a:pt x="1742979" y="3193813"/>
-                  <a:pt x="1730644" y="3208150"/>
-                  <a:pt x="1720312" y="3223648"/>
-                </a:cubicBezTo>
-                <a:cubicBezTo>
-                  <a:pt x="1671876" y="3417395"/>
-                  <a:pt x="1733773" y="3176538"/>
-                  <a:pt x="1689316" y="3332136"/>
-                </a:cubicBezTo>
-                <a:cubicBezTo>
-                  <a:pt x="1683464" y="3352617"/>
-                  <a:pt x="1679669" y="3373648"/>
-                  <a:pt x="1673817" y="3394129"/>
-                </a:cubicBezTo>
-                <a:cubicBezTo>
-                  <a:pt x="1657220" y="3452217"/>
-                  <a:pt x="1654932" y="3436006"/>
-                  <a:pt x="1642821" y="3502617"/>
-                </a:cubicBezTo>
-                <a:cubicBezTo>
-                  <a:pt x="1614328" y="3659329"/>
-                  <a:pt x="1643653" y="3562116"/>
-                  <a:pt x="1611824" y="3657600"/>
-                </a:cubicBezTo>
-                <a:cubicBezTo>
-                  <a:pt x="1579279" y="3999328"/>
-                  <a:pt x="1615292" y="3879679"/>
-                  <a:pt x="1565329" y="4029560"/>
-                </a:cubicBezTo>
-                <a:cubicBezTo>
-                  <a:pt x="1560163" y="4065723"/>
-                  <a:pt x="1556366" y="4102107"/>
-                  <a:pt x="1549831" y="4138048"/>
-                </a:cubicBezTo>
-                <a:cubicBezTo>
-                  <a:pt x="1546021" y="4159005"/>
-                  <a:pt x="1537835" y="4179031"/>
-                  <a:pt x="1534333" y="4200041"/>
-                </a:cubicBezTo>
-                <a:cubicBezTo>
-                  <a:pt x="1527486" y="4241125"/>
-                  <a:pt x="1525167" y="4282861"/>
-                  <a:pt x="1518834" y="4324027"/>
-                </a:cubicBezTo>
-                <a:cubicBezTo>
-                  <a:pt x="1514828" y="4350063"/>
-                  <a:pt x="1507667" y="4375535"/>
-                  <a:pt x="1503336" y="4401519"/>
-                </a:cubicBezTo>
-                <a:cubicBezTo>
-                  <a:pt x="1497331" y="4437552"/>
-                  <a:pt x="1495002" y="4474187"/>
-                  <a:pt x="1487838" y="4510007"/>
-                </a:cubicBezTo>
-                <a:cubicBezTo>
-                  <a:pt x="1484634" y="4526026"/>
-                  <a:pt x="1476827" y="4540794"/>
-                  <a:pt x="1472339" y="4556502"/>
-                </a:cubicBezTo>
-                <a:cubicBezTo>
-                  <a:pt x="1425490" y="4720471"/>
-                  <a:pt x="1499512" y="4490485"/>
-                  <a:pt x="1425845" y="4711485"/>
-                </a:cubicBezTo>
-                <a:lnTo>
-                  <a:pt x="1410346" y="4757980"/>
-                </a:lnTo>
-                <a:lnTo>
-                  <a:pt x="1394848" y="4804475"/>
-                </a:lnTo>
-                <a:cubicBezTo>
-                  <a:pt x="1378698" y="4852927"/>
-                  <a:pt x="1363036" y="4913507"/>
-                  <a:pt x="1317356" y="4943960"/>
-                </a:cubicBezTo>
-                <a:cubicBezTo>
-                  <a:pt x="1184117" y="5032786"/>
-                  <a:pt x="1352692" y="4926292"/>
-                  <a:pt x="1224367" y="4990455"/>
-                </a:cubicBezTo>
-                <a:cubicBezTo>
-                  <a:pt x="1207707" y="4998785"/>
-                  <a:pt x="1194532" y="5013121"/>
-                  <a:pt x="1177872" y="5021451"/>
-                </a:cubicBezTo>
-                <a:cubicBezTo>
-                  <a:pt x="1146102" y="5037336"/>
-                  <a:pt x="1083356" y="5046554"/>
-                  <a:pt x="1053885" y="5052448"/>
-                </a:cubicBezTo>
-                <a:cubicBezTo>
-                  <a:pt x="976394" y="5047282"/>
-                  <a:pt x="898294" y="5047932"/>
-                  <a:pt x="821411" y="5036949"/>
-                </a:cubicBezTo>
-                <a:cubicBezTo>
-                  <a:pt x="789066" y="5032328"/>
-                  <a:pt x="759418" y="5016285"/>
-                  <a:pt x="728421" y="5005953"/>
-                </a:cubicBezTo>
-                <a:lnTo>
-                  <a:pt x="635431" y="4974956"/>
-                </a:lnTo>
-                <a:cubicBezTo>
-                  <a:pt x="619933" y="4969790"/>
-                  <a:pt x="604955" y="4962662"/>
-                  <a:pt x="588936" y="4959458"/>
-                </a:cubicBezTo>
-                <a:cubicBezTo>
-                  <a:pt x="479404" y="4937552"/>
-                  <a:pt x="536438" y="4952291"/>
-                  <a:pt x="418455" y="4912963"/>
-                </a:cubicBezTo>
-                <a:lnTo>
-                  <a:pt x="371960" y="4897465"/>
-                </a:lnTo>
-                <a:cubicBezTo>
-                  <a:pt x="299635" y="4788977"/>
-                  <a:pt x="340964" y="4825140"/>
-                  <a:pt x="263472" y="4773478"/>
-                </a:cubicBezTo>
-                <a:cubicBezTo>
-                  <a:pt x="253140" y="4742481"/>
-                  <a:pt x="240399" y="4712186"/>
-                  <a:pt x="232475" y="4680488"/>
-                </a:cubicBezTo>
-                <a:cubicBezTo>
-                  <a:pt x="227309" y="4659824"/>
-                  <a:pt x="223098" y="4638897"/>
-                  <a:pt x="216977" y="4618495"/>
-                </a:cubicBezTo>
-                <a:cubicBezTo>
-                  <a:pt x="207588" y="4587200"/>
-                  <a:pt x="196312" y="4556502"/>
-                  <a:pt x="185980" y="4525505"/>
-                </a:cubicBezTo>
-                <a:lnTo>
-                  <a:pt x="154984" y="4432516"/>
-                </a:lnTo>
-                <a:lnTo>
-                  <a:pt x="139485" y="4386021"/>
-                </a:lnTo>
-                <a:cubicBezTo>
-                  <a:pt x="134319" y="4355024"/>
-                  <a:pt x="130804" y="4323707"/>
-                  <a:pt x="123987" y="4293031"/>
-                </a:cubicBezTo>
-                <a:cubicBezTo>
-                  <a:pt x="120443" y="4277083"/>
-                  <a:pt x="111693" y="4262555"/>
-                  <a:pt x="108489" y="4246536"/>
-                </a:cubicBezTo>
-                <a:cubicBezTo>
-                  <a:pt x="101325" y="4210716"/>
-                  <a:pt x="98156" y="4174211"/>
-                  <a:pt x="92990" y="4138048"/>
-                </a:cubicBezTo>
-                <a:cubicBezTo>
-                  <a:pt x="98156" y="4014061"/>
-                  <a:pt x="99648" y="3889867"/>
-                  <a:pt x="108489" y="3766088"/>
-                </a:cubicBezTo>
-                <a:cubicBezTo>
-                  <a:pt x="110007" y="3744842"/>
-                  <a:pt x="123987" y="3725395"/>
-                  <a:pt x="123987" y="3704095"/>
-                </a:cubicBezTo>
-                <a:cubicBezTo>
-                  <a:pt x="123987" y="3388921"/>
-                  <a:pt x="117893" y="3073733"/>
-                  <a:pt x="108489" y="2758699"/>
-                </a:cubicBezTo>
-                <a:cubicBezTo>
-                  <a:pt x="106158" y="2680623"/>
-                  <a:pt x="94685" y="2679390"/>
-                  <a:pt x="77492" y="2619214"/>
-                </a:cubicBezTo>
-                <a:cubicBezTo>
-                  <a:pt x="71640" y="2598733"/>
-                  <a:pt x="66615" y="2578014"/>
-                  <a:pt x="61994" y="2557221"/>
-                </a:cubicBezTo>
-                <a:cubicBezTo>
-                  <a:pt x="56280" y="2531506"/>
-                  <a:pt x="51207" y="2505646"/>
-                  <a:pt x="46495" y="2479729"/>
-                </a:cubicBezTo>
-                <a:cubicBezTo>
-                  <a:pt x="40874" y="2448812"/>
-                  <a:pt x="37814" y="2417415"/>
-                  <a:pt x="30997" y="2386739"/>
-                </a:cubicBezTo>
-                <a:cubicBezTo>
-                  <a:pt x="27453" y="2370791"/>
-                  <a:pt x="19987" y="2355952"/>
-                  <a:pt x="15499" y="2340244"/>
-                </a:cubicBezTo>
-                <a:cubicBezTo>
-                  <a:pt x="9647" y="2319763"/>
-                  <a:pt x="5166" y="2298915"/>
-                  <a:pt x="0" y="2278251"/>
-                </a:cubicBezTo>
-                <a:cubicBezTo>
-                  <a:pt x="5166" y="2185261"/>
-                  <a:pt x="3947" y="2091696"/>
-                  <a:pt x="15499" y="1999282"/>
-                </a:cubicBezTo>
-                <a:cubicBezTo>
-                  <a:pt x="19552" y="1966861"/>
-                  <a:pt x="28371" y="1933478"/>
-                  <a:pt x="46495" y="1906292"/>
-                </a:cubicBezTo>
-                <a:lnTo>
-                  <a:pt x="108489" y="1813302"/>
-                </a:lnTo>
-                <a:lnTo>
-                  <a:pt x="139485" y="1720312"/>
-                </a:lnTo>
-                <a:cubicBezTo>
-                  <a:pt x="144651" y="1704814"/>
-                  <a:pt x="151022" y="1689666"/>
-                  <a:pt x="154984" y="1673817"/>
-                </a:cubicBezTo>
-                <a:cubicBezTo>
-                  <a:pt x="160150" y="1653153"/>
-                  <a:pt x="164362" y="1632226"/>
-                  <a:pt x="170482" y="1611824"/>
-                </a:cubicBezTo>
-                <a:cubicBezTo>
-                  <a:pt x="179870" y="1580529"/>
-                  <a:pt x="191146" y="1549831"/>
-                  <a:pt x="201478" y="1518834"/>
-                </a:cubicBezTo>
-                <a:lnTo>
-                  <a:pt x="216977" y="1472339"/>
-                </a:lnTo>
-                <a:cubicBezTo>
-                  <a:pt x="274217" y="1128889"/>
-                  <a:pt x="253843" y="1286181"/>
-                  <a:pt x="216977" y="573438"/>
-                </a:cubicBezTo>
-                <a:cubicBezTo>
-                  <a:pt x="215289" y="540808"/>
-                  <a:pt x="196312" y="511445"/>
-                  <a:pt x="185980" y="480448"/>
-                </a:cubicBezTo>
-                <a:cubicBezTo>
-                  <a:pt x="148819" y="368965"/>
-                  <a:pt x="193907" y="508188"/>
-                  <a:pt x="154984" y="371960"/>
-                </a:cubicBezTo>
-                <a:cubicBezTo>
-                  <a:pt x="150496" y="356252"/>
-                  <a:pt x="140165" y="341788"/>
-                  <a:pt x="139485" y="325465"/>
-                </a:cubicBezTo>
-                <a:cubicBezTo>
-                  <a:pt x="134968" y="217071"/>
-                  <a:pt x="139485" y="108488"/>
-                  <a:pt x="139485" y="0"/>
-                </a:cubicBezTo>
-              </a:path>
-            </a:pathLst>
-          </a:custGeom>
-        </p:spPr>
-        <p:style>
-          <a:lnRef idx="2">
-            <a:schemeClr val="accent2"/>
-          </a:lnRef>
-          <a:fillRef idx="0">
-            <a:schemeClr val="accent2"/>
-          </a:fillRef>
-          <a:effectRef idx="1">
-            <a:schemeClr val="accent2"/>
-          </a:effectRef>
-          <a:fontRef idx="minor">
-            <a:schemeClr val="tx1"/>
-          </a:fontRef>
-        </p:style>
-        <p:txBody>
-          <a:bodyPr rtlCol="0" anchor="ctr"/>
-          <a:lstStyle/>
-          <a:p>
-            <a:pPr algn="ctr"/>
-            <a:endParaRPr lang="en-US"/>
-          </a:p>
-        </p:txBody>
-      </p:sp>
-      <p:sp>
-        <p:nvSpPr>
-          <p:cNvPr id="25" name="Freeform 24"/>
-          <p:cNvSpPr/>
-          <p:nvPr/>
-        </p:nvSpPr>
-        <p:spPr>
-          <a:xfrm>
-            <a:off x="3719261" y="1534332"/>
-            <a:ext cx="2448745" cy="4432515"/>
-          </a:xfrm>
-          <a:custGeom>
-            <a:avLst/>
-            <a:gdLst>
-              <a:gd name="connsiteX0" fmla="*/ 2324759 w 2448745"/>
-              <a:gd name="connsiteY0" fmla="*/ 0 h 4432515"/>
-              <a:gd name="connsiteX1" fmla="*/ 2340257 w 2448745"/>
-              <a:gd name="connsiteY1" fmla="*/ 495946 h 4432515"/>
-              <a:gd name="connsiteX2" fmla="*/ 2355755 w 2448745"/>
-              <a:gd name="connsiteY2" fmla="*/ 681926 h 4432515"/>
-              <a:gd name="connsiteX3" fmla="*/ 2402250 w 2448745"/>
-              <a:gd name="connsiteY3" fmla="*/ 1022888 h 4432515"/>
-              <a:gd name="connsiteX4" fmla="*/ 2448745 w 2448745"/>
-              <a:gd name="connsiteY4" fmla="*/ 1952787 h 4432515"/>
-              <a:gd name="connsiteX5" fmla="*/ 2417749 w 2448745"/>
-              <a:gd name="connsiteY5" fmla="*/ 2123268 h 4432515"/>
-              <a:gd name="connsiteX6" fmla="*/ 2386752 w 2448745"/>
-              <a:gd name="connsiteY6" fmla="*/ 2169763 h 4432515"/>
-              <a:gd name="connsiteX7" fmla="*/ 2324759 w 2448745"/>
-              <a:gd name="connsiteY7" fmla="*/ 2216258 h 4432515"/>
-              <a:gd name="connsiteX8" fmla="*/ 2185274 w 2448745"/>
-              <a:gd name="connsiteY8" fmla="*/ 2324746 h 4432515"/>
-              <a:gd name="connsiteX9" fmla="*/ 2092284 w 2448745"/>
-              <a:gd name="connsiteY9" fmla="*/ 2386739 h 4432515"/>
-              <a:gd name="connsiteX10" fmla="*/ 2045789 w 2448745"/>
-              <a:gd name="connsiteY10" fmla="*/ 2417736 h 4432515"/>
-              <a:gd name="connsiteX11" fmla="*/ 1906305 w 2448745"/>
-              <a:gd name="connsiteY11" fmla="*/ 2495227 h 4432515"/>
-              <a:gd name="connsiteX12" fmla="*/ 1735823 w 2448745"/>
-              <a:gd name="connsiteY12" fmla="*/ 2541722 h 4432515"/>
-              <a:gd name="connsiteX13" fmla="*/ 1596339 w 2448745"/>
-              <a:gd name="connsiteY13" fmla="*/ 2572719 h 4432515"/>
-              <a:gd name="connsiteX14" fmla="*/ 1208881 w 2448745"/>
-              <a:gd name="connsiteY14" fmla="*/ 2603715 h 4432515"/>
-              <a:gd name="connsiteX15" fmla="*/ 1131389 w 2448745"/>
-              <a:gd name="connsiteY15" fmla="*/ 2619214 h 4432515"/>
-              <a:gd name="connsiteX16" fmla="*/ 991905 w 2448745"/>
-              <a:gd name="connsiteY16" fmla="*/ 2634712 h 4432515"/>
-              <a:gd name="connsiteX17" fmla="*/ 914413 w 2448745"/>
-              <a:gd name="connsiteY17" fmla="*/ 2665709 h 4432515"/>
-              <a:gd name="connsiteX18" fmla="*/ 805925 w 2448745"/>
-              <a:gd name="connsiteY18" fmla="*/ 2696705 h 4432515"/>
-              <a:gd name="connsiteX19" fmla="*/ 681939 w 2448745"/>
-              <a:gd name="connsiteY19" fmla="*/ 2743200 h 4432515"/>
-              <a:gd name="connsiteX20" fmla="*/ 573450 w 2448745"/>
-              <a:gd name="connsiteY20" fmla="*/ 2805193 h 4432515"/>
-              <a:gd name="connsiteX21" fmla="*/ 526955 w 2448745"/>
-              <a:gd name="connsiteY21" fmla="*/ 2851688 h 4432515"/>
-              <a:gd name="connsiteX22" fmla="*/ 480461 w 2448745"/>
-              <a:gd name="connsiteY22" fmla="*/ 2882685 h 4432515"/>
-              <a:gd name="connsiteX23" fmla="*/ 418467 w 2448745"/>
-              <a:gd name="connsiteY23" fmla="*/ 2929180 h 4432515"/>
-              <a:gd name="connsiteX24" fmla="*/ 387471 w 2448745"/>
-              <a:gd name="connsiteY24" fmla="*/ 2991173 h 4432515"/>
-              <a:gd name="connsiteX25" fmla="*/ 340976 w 2448745"/>
-              <a:gd name="connsiteY25" fmla="*/ 3037668 h 4432515"/>
-              <a:gd name="connsiteX26" fmla="*/ 325477 w 2448745"/>
-              <a:gd name="connsiteY26" fmla="*/ 3099661 h 4432515"/>
-              <a:gd name="connsiteX27" fmla="*/ 247986 w 2448745"/>
-              <a:gd name="connsiteY27" fmla="*/ 3270143 h 4432515"/>
-              <a:gd name="connsiteX28" fmla="*/ 216989 w 2448745"/>
-              <a:gd name="connsiteY28" fmla="*/ 3549112 h 4432515"/>
-              <a:gd name="connsiteX29" fmla="*/ 185993 w 2448745"/>
-              <a:gd name="connsiteY29" fmla="*/ 3812583 h 4432515"/>
-              <a:gd name="connsiteX30" fmla="*/ 154996 w 2448745"/>
-              <a:gd name="connsiteY30" fmla="*/ 3998563 h 4432515"/>
-              <a:gd name="connsiteX31" fmla="*/ 139498 w 2448745"/>
-              <a:gd name="connsiteY31" fmla="*/ 4060556 h 4432515"/>
-              <a:gd name="connsiteX32" fmla="*/ 108501 w 2448745"/>
-              <a:gd name="connsiteY32" fmla="*/ 4107051 h 4432515"/>
-              <a:gd name="connsiteX33" fmla="*/ 77505 w 2448745"/>
-              <a:gd name="connsiteY33" fmla="*/ 4215539 h 4432515"/>
-              <a:gd name="connsiteX34" fmla="*/ 46508 w 2448745"/>
-              <a:gd name="connsiteY34" fmla="*/ 4262034 h 4432515"/>
-              <a:gd name="connsiteX35" fmla="*/ 31010 w 2448745"/>
-              <a:gd name="connsiteY35" fmla="*/ 4324027 h 4432515"/>
-              <a:gd name="connsiteX36" fmla="*/ 13 w 2448745"/>
-              <a:gd name="connsiteY36" fmla="*/ 4432515 h 4432515"/>
-            </a:gdLst>
-            <a:ahLst/>
-            <a:cxnLst>
-              <a:cxn ang="0">
-                <a:pos x="connsiteX0" y="connsiteY0"/>
-              </a:cxn>
-              <a:cxn ang="0">
-                <a:pos x="connsiteX1" y="connsiteY1"/>
-              </a:cxn>
-              <a:cxn ang="0">
-                <a:pos x="connsiteX2" y="connsiteY2"/>
-              </a:cxn>
-              <a:cxn ang="0">
-                <a:pos x="connsiteX3" y="connsiteY3"/>
-              </a:cxn>
-              <a:cxn ang="0">
-                <a:pos x="connsiteX4" y="connsiteY4"/>
-              </a:cxn>
-              <a:cxn ang="0">
-                <a:pos x="connsiteX5" y="connsiteY5"/>
-              </a:cxn>
-              <a:cxn ang="0">
-                <a:pos x="connsiteX6" y="connsiteY6"/>
-              </a:cxn>
-              <a:cxn ang="0">
-                <a:pos x="connsiteX7" y="connsiteY7"/>
-              </a:cxn>
-              <a:cxn ang="0">
-                <a:pos x="connsiteX8" y="connsiteY8"/>
-              </a:cxn>
-              <a:cxn ang="0">
-                <a:pos x="connsiteX9" y="connsiteY9"/>
-              </a:cxn>
-              <a:cxn ang="0">
-                <a:pos x="connsiteX10" y="connsiteY10"/>
-              </a:cxn>
-              <a:cxn ang="0">
-                <a:pos x="connsiteX11" y="connsiteY11"/>
-              </a:cxn>
-              <a:cxn ang="0">
-                <a:pos x="connsiteX12" y="connsiteY12"/>
-              </a:cxn>
-              <a:cxn ang="0">
-                <a:pos x="connsiteX13" y="connsiteY13"/>
-              </a:cxn>
-              <a:cxn ang="0">
-                <a:pos x="connsiteX14" y="connsiteY14"/>
-              </a:cxn>
-              <a:cxn ang="0">
-                <a:pos x="connsiteX15" y="connsiteY15"/>
-              </a:cxn>
-              <a:cxn ang="0">
-                <a:pos x="connsiteX16" y="connsiteY16"/>
-              </a:cxn>
-              <a:cxn ang="0">
-                <a:pos x="connsiteX17" y="connsiteY17"/>
-              </a:cxn>
-              <a:cxn ang="0">
-                <a:pos x="connsiteX18" y="connsiteY18"/>
-              </a:cxn>
-              <a:cxn ang="0">
-                <a:pos x="connsiteX19" y="connsiteY19"/>
-              </a:cxn>
-              <a:cxn ang="0">
-                <a:pos x="connsiteX20" y="connsiteY20"/>
-              </a:cxn>
-              <a:cxn ang="0">
-                <a:pos x="connsiteX21" y="connsiteY21"/>
-              </a:cxn>
-              <a:cxn ang="0">
-                <a:pos x="connsiteX22" y="connsiteY22"/>
-              </a:cxn>
-              <a:cxn ang="0">
-                <a:pos x="connsiteX23" y="connsiteY23"/>
-              </a:cxn>
-              <a:cxn ang="0">
-                <a:pos x="connsiteX24" y="connsiteY24"/>
-              </a:cxn>
-              <a:cxn ang="0">
-                <a:pos x="connsiteX25" y="connsiteY25"/>
-              </a:cxn>
-              <a:cxn ang="0">
-                <a:pos x="connsiteX26" y="connsiteY26"/>
-              </a:cxn>
-              <a:cxn ang="0">
-                <a:pos x="connsiteX27" y="connsiteY27"/>
-              </a:cxn>
-              <a:cxn ang="0">
-                <a:pos x="connsiteX28" y="connsiteY28"/>
-              </a:cxn>
-              <a:cxn ang="0">
-                <a:pos x="connsiteX29" y="connsiteY29"/>
-              </a:cxn>
-              <a:cxn ang="0">
-                <a:pos x="connsiteX30" y="connsiteY30"/>
-              </a:cxn>
-              <a:cxn ang="0">
-                <a:pos x="connsiteX31" y="connsiteY31"/>
-              </a:cxn>
-              <a:cxn ang="0">
-                <a:pos x="connsiteX32" y="connsiteY32"/>
-              </a:cxn>
-              <a:cxn ang="0">
-                <a:pos x="connsiteX33" y="connsiteY33"/>
-              </a:cxn>
-              <a:cxn ang="0">
-                <a:pos x="connsiteX34" y="connsiteY34"/>
-              </a:cxn>
-              <a:cxn ang="0">
-                <a:pos x="connsiteX35" y="connsiteY35"/>
-              </a:cxn>
-              <a:cxn ang="0">
-                <a:pos x="connsiteX36" y="connsiteY36"/>
-              </a:cxn>
-            </a:cxnLst>
-            <a:rect l="l" t="t" r="r" b="b"/>
-            <a:pathLst>
-              <a:path w="2448745" h="4432515">
-                <a:moveTo>
-                  <a:pt x="2324759" y="0"/>
-                </a:moveTo>
-                <a:cubicBezTo>
-                  <a:pt x="2329925" y="165315"/>
-                  <a:pt x="2332747" y="330721"/>
-                  <a:pt x="2340257" y="495946"/>
-                </a:cubicBezTo>
-                <a:cubicBezTo>
-                  <a:pt x="2343082" y="558090"/>
-                  <a:pt x="2349128" y="620072"/>
-                  <a:pt x="2355755" y="681926"/>
-                </a:cubicBezTo>
-                <a:cubicBezTo>
-                  <a:pt x="2376691" y="877325"/>
-                  <a:pt x="2378323" y="879327"/>
-                  <a:pt x="2402250" y="1022888"/>
-                </a:cubicBezTo>
-                <a:cubicBezTo>
-                  <a:pt x="2437008" y="1787548"/>
-                  <a:pt x="2419054" y="1477714"/>
-                  <a:pt x="2448745" y="1952787"/>
-                </a:cubicBezTo>
-                <a:cubicBezTo>
-                  <a:pt x="2443403" y="1995523"/>
-                  <a:pt x="2441639" y="2075487"/>
-                  <a:pt x="2417749" y="2123268"/>
-                </a:cubicBezTo>
-                <a:cubicBezTo>
-                  <a:pt x="2409419" y="2139928"/>
-                  <a:pt x="2399923" y="2156592"/>
-                  <a:pt x="2386752" y="2169763"/>
-                </a:cubicBezTo>
-                <a:cubicBezTo>
-                  <a:pt x="2368487" y="2188028"/>
-                  <a:pt x="2343959" y="2198978"/>
-                  <a:pt x="2324759" y="2216258"/>
-                </a:cubicBezTo>
-                <a:cubicBezTo>
-                  <a:pt x="2201769" y="2326949"/>
-                  <a:pt x="2280231" y="2293094"/>
-                  <a:pt x="2185274" y="2324746"/>
-                </a:cubicBezTo>
-                <a:cubicBezTo>
-                  <a:pt x="2097134" y="2412886"/>
-                  <a:pt x="2182003" y="2341880"/>
-                  <a:pt x="2092284" y="2386739"/>
-                </a:cubicBezTo>
-                <a:cubicBezTo>
-                  <a:pt x="2075624" y="2395069"/>
-                  <a:pt x="2061584" y="2407864"/>
-                  <a:pt x="2045789" y="2417736"/>
-                </a:cubicBezTo>
-                <a:cubicBezTo>
-                  <a:pt x="2003031" y="2444460"/>
-                  <a:pt x="1953408" y="2475040"/>
-                  <a:pt x="1906305" y="2495227"/>
-                </a:cubicBezTo>
-                <a:cubicBezTo>
-                  <a:pt x="1859365" y="2515344"/>
-                  <a:pt x="1771430" y="2529852"/>
-                  <a:pt x="1735823" y="2541722"/>
-                </a:cubicBezTo>
-                <a:cubicBezTo>
-                  <a:pt x="1676274" y="2561572"/>
-                  <a:pt x="1673210" y="2565280"/>
-                  <a:pt x="1596339" y="2572719"/>
-                </a:cubicBezTo>
-                <a:cubicBezTo>
-                  <a:pt x="1467376" y="2585199"/>
-                  <a:pt x="1208881" y="2603715"/>
-                  <a:pt x="1208881" y="2603715"/>
-                </a:cubicBezTo>
-                <a:cubicBezTo>
-                  <a:pt x="1183050" y="2608881"/>
-                  <a:pt x="1157466" y="2615489"/>
-                  <a:pt x="1131389" y="2619214"/>
-                </a:cubicBezTo>
-                <a:cubicBezTo>
-                  <a:pt x="1085078" y="2625830"/>
-                  <a:pt x="1037647" y="2624910"/>
-                  <a:pt x="991905" y="2634712"/>
-                </a:cubicBezTo>
-                <a:cubicBezTo>
-                  <a:pt x="964702" y="2640541"/>
-                  <a:pt x="940806" y="2656911"/>
-                  <a:pt x="914413" y="2665709"/>
-                </a:cubicBezTo>
-                <a:cubicBezTo>
-                  <a:pt x="855432" y="2685369"/>
-                  <a:pt x="858161" y="2674318"/>
-                  <a:pt x="805925" y="2696705"/>
-                </a:cubicBezTo>
-                <a:cubicBezTo>
-                  <a:pt x="692461" y="2745333"/>
-                  <a:pt x="796235" y="2714626"/>
-                  <a:pt x="681939" y="2743200"/>
-                </a:cubicBezTo>
-                <a:cubicBezTo>
-                  <a:pt x="644045" y="2762147"/>
-                  <a:pt x="606307" y="2777812"/>
-                  <a:pt x="573450" y="2805193"/>
-                </a:cubicBezTo>
-                <a:cubicBezTo>
-                  <a:pt x="556612" y="2819224"/>
-                  <a:pt x="543793" y="2837656"/>
-                  <a:pt x="526955" y="2851688"/>
-                </a:cubicBezTo>
-                <a:cubicBezTo>
-                  <a:pt x="512646" y="2863612"/>
-                  <a:pt x="495618" y="2871859"/>
-                  <a:pt x="480461" y="2882685"/>
-                </a:cubicBezTo>
-                <a:cubicBezTo>
-                  <a:pt x="459442" y="2897699"/>
-                  <a:pt x="439132" y="2913682"/>
-                  <a:pt x="418467" y="2929180"/>
-                </a:cubicBezTo>
-                <a:cubicBezTo>
-                  <a:pt x="408135" y="2949844"/>
-                  <a:pt x="400900" y="2972373"/>
-                  <a:pt x="387471" y="2991173"/>
-                </a:cubicBezTo>
-                <a:cubicBezTo>
-                  <a:pt x="374731" y="3009008"/>
-                  <a:pt x="351850" y="3018638"/>
-                  <a:pt x="340976" y="3037668"/>
-                </a:cubicBezTo>
-                <a:cubicBezTo>
-                  <a:pt x="330408" y="3056162"/>
-                  <a:pt x="333669" y="3079999"/>
-                  <a:pt x="325477" y="3099661"/>
-                </a:cubicBezTo>
-                <a:cubicBezTo>
-                  <a:pt x="209988" y="3376834"/>
-                  <a:pt x="294426" y="3130819"/>
-                  <a:pt x="247986" y="3270143"/>
-                </a:cubicBezTo>
-                <a:cubicBezTo>
-                  <a:pt x="226827" y="3418256"/>
-                  <a:pt x="232033" y="3368592"/>
-                  <a:pt x="216989" y="3549112"/>
-                </a:cubicBezTo>
-                <a:cubicBezTo>
-                  <a:pt x="197715" y="3780397"/>
-                  <a:pt x="218505" y="3682533"/>
-                  <a:pt x="185993" y="3812583"/>
-                </a:cubicBezTo>
-                <a:cubicBezTo>
-                  <a:pt x="160804" y="4039277"/>
-                  <a:pt x="188041" y="3882903"/>
-                  <a:pt x="154996" y="3998563"/>
-                </a:cubicBezTo>
-                <a:cubicBezTo>
-                  <a:pt x="149144" y="4019044"/>
-                  <a:pt x="147889" y="4040978"/>
-                  <a:pt x="139498" y="4060556"/>
-                </a:cubicBezTo>
-                <a:cubicBezTo>
-                  <a:pt x="132161" y="4077677"/>
-                  <a:pt x="118833" y="4091553"/>
-                  <a:pt x="108501" y="4107051"/>
-                </a:cubicBezTo>
-                <a:cubicBezTo>
-                  <a:pt x="103536" y="4126912"/>
-                  <a:pt x="88621" y="4193306"/>
-                  <a:pt x="77505" y="4215539"/>
-                </a:cubicBezTo>
-                <a:cubicBezTo>
-                  <a:pt x="69175" y="4232199"/>
-                  <a:pt x="56840" y="4246536"/>
-                  <a:pt x="46508" y="4262034"/>
-                </a:cubicBezTo>
-                <a:cubicBezTo>
-                  <a:pt x="41342" y="4282698"/>
-                  <a:pt x="37131" y="4303625"/>
-                  <a:pt x="31010" y="4324027"/>
-                </a:cubicBezTo>
-                <a:cubicBezTo>
-                  <a:pt x="-1621" y="4432796"/>
-                  <a:pt x="13" y="4382624"/>
-                  <a:pt x="13" y="4432515"/>
-                </a:cubicBezTo>
-              </a:path>
-            </a:pathLst>
-          </a:custGeom>
-        </p:spPr>
-        <p:style>
-          <a:lnRef idx="3">
-            <a:schemeClr val="accent6"/>
-          </a:lnRef>
-          <a:fillRef idx="0">
-            <a:schemeClr val="accent6"/>
-          </a:fillRef>
-          <a:effectRef idx="2">
-            <a:schemeClr val="accent6"/>
-          </a:effectRef>
-          <a:fontRef idx="minor">
-            <a:schemeClr val="tx1"/>
-          </a:fontRef>
-        </p:style>
-        <p:txBody>
-          <a:bodyPr rtlCol="0" anchor="ctr"/>
-          <a:lstStyle/>
-          <a:p>
-            <a:pPr algn="ctr"/>
-            <a:endParaRPr lang="en-US"/>
-          </a:p>
-        </p:txBody>
-      </p:sp>
-      <p:sp>
-        <p:nvSpPr>
-          <p:cNvPr id="27" name="Freeform 26"/>
-          <p:cNvSpPr/>
-          <p:nvPr/>
-        </p:nvSpPr>
-        <p:spPr>
-          <a:xfrm>
-            <a:off x="6276494" y="1379349"/>
-            <a:ext cx="542441" cy="4649492"/>
-          </a:xfrm>
-          <a:custGeom>
-            <a:avLst/>
-            <a:gdLst>
-              <a:gd name="connsiteX0" fmla="*/ 526943 w 542441"/>
-              <a:gd name="connsiteY0" fmla="*/ 0 h 4649492"/>
-              <a:gd name="connsiteX1" fmla="*/ 542441 w 542441"/>
-              <a:gd name="connsiteY1" fmla="*/ 480448 h 4649492"/>
-              <a:gd name="connsiteX2" fmla="*/ 526943 w 542441"/>
-              <a:gd name="connsiteY2" fmla="*/ 2045776 h 4649492"/>
-              <a:gd name="connsiteX3" fmla="*/ 495946 w 542441"/>
-              <a:gd name="connsiteY3" fmla="*/ 2402237 h 4649492"/>
-              <a:gd name="connsiteX4" fmla="*/ 464950 w 542441"/>
-              <a:gd name="connsiteY4" fmla="*/ 2464231 h 4649492"/>
-              <a:gd name="connsiteX5" fmla="*/ 433953 w 542441"/>
-              <a:gd name="connsiteY5" fmla="*/ 2541722 h 4649492"/>
-              <a:gd name="connsiteX6" fmla="*/ 418455 w 542441"/>
-              <a:gd name="connsiteY6" fmla="*/ 2588217 h 4649492"/>
-              <a:gd name="connsiteX7" fmla="*/ 340963 w 542441"/>
-              <a:gd name="connsiteY7" fmla="*/ 2681207 h 4649492"/>
-              <a:gd name="connsiteX8" fmla="*/ 278970 w 542441"/>
-              <a:gd name="connsiteY8" fmla="*/ 2774197 h 4649492"/>
-              <a:gd name="connsiteX9" fmla="*/ 185980 w 542441"/>
-              <a:gd name="connsiteY9" fmla="*/ 2867187 h 4649492"/>
-              <a:gd name="connsiteX10" fmla="*/ 92990 w 542441"/>
-              <a:gd name="connsiteY10" fmla="*/ 2944678 h 4649492"/>
-              <a:gd name="connsiteX11" fmla="*/ 0 w 542441"/>
-              <a:gd name="connsiteY11" fmla="*/ 3099661 h 4649492"/>
-              <a:gd name="connsiteX12" fmla="*/ 15499 w 542441"/>
-              <a:gd name="connsiteY12" fmla="*/ 3409627 h 4649492"/>
-              <a:gd name="connsiteX13" fmla="*/ 46495 w 542441"/>
-              <a:gd name="connsiteY13" fmla="*/ 3905573 h 4649492"/>
-              <a:gd name="connsiteX14" fmla="*/ 61994 w 542441"/>
-              <a:gd name="connsiteY14" fmla="*/ 4479010 h 4649492"/>
-              <a:gd name="connsiteX15" fmla="*/ 77492 w 542441"/>
-              <a:gd name="connsiteY15" fmla="*/ 4649492 h 4649492"/>
-            </a:gdLst>
-            <a:ahLst/>
-            <a:cxnLst>
-              <a:cxn ang="0">
-                <a:pos x="connsiteX0" y="connsiteY0"/>
-              </a:cxn>
-              <a:cxn ang="0">
-                <a:pos x="connsiteX1" y="connsiteY1"/>
-              </a:cxn>
-              <a:cxn ang="0">
-                <a:pos x="connsiteX2" y="connsiteY2"/>
-              </a:cxn>
-              <a:cxn ang="0">
-                <a:pos x="connsiteX3" y="connsiteY3"/>
-              </a:cxn>
-              <a:cxn ang="0">
-                <a:pos x="connsiteX4" y="connsiteY4"/>
-              </a:cxn>
-              <a:cxn ang="0">
-                <a:pos x="connsiteX5" y="connsiteY5"/>
-              </a:cxn>
-              <a:cxn ang="0">
-                <a:pos x="connsiteX6" y="connsiteY6"/>
-              </a:cxn>
-              <a:cxn ang="0">
-                <a:pos x="connsiteX7" y="connsiteY7"/>
-              </a:cxn>
-              <a:cxn ang="0">
-                <a:pos x="connsiteX8" y="connsiteY8"/>
-              </a:cxn>
-              <a:cxn ang="0">
-                <a:pos x="connsiteX9" y="connsiteY9"/>
-              </a:cxn>
-              <a:cxn ang="0">
-                <a:pos x="connsiteX10" y="connsiteY10"/>
-              </a:cxn>
-              <a:cxn ang="0">
-                <a:pos x="connsiteX11" y="connsiteY11"/>
-              </a:cxn>
-              <a:cxn ang="0">
-                <a:pos x="connsiteX12" y="connsiteY12"/>
-              </a:cxn>
-              <a:cxn ang="0">
-                <a:pos x="connsiteX13" y="connsiteY13"/>
-              </a:cxn>
-              <a:cxn ang="0">
-                <a:pos x="connsiteX14" y="connsiteY14"/>
-              </a:cxn>
-              <a:cxn ang="0">
-                <a:pos x="connsiteX15" y="connsiteY15"/>
-              </a:cxn>
-            </a:cxnLst>
-            <a:rect l="l" t="t" r="r" b="b"/>
-            <a:pathLst>
-              <a:path w="542441" h="4649492">
-                <a:moveTo>
-                  <a:pt x="526943" y="0"/>
-                </a:moveTo>
-                <a:cubicBezTo>
-                  <a:pt x="532109" y="160149"/>
-                  <a:pt x="542441" y="320215"/>
-                  <a:pt x="542441" y="480448"/>
-                </a:cubicBezTo>
-                <a:cubicBezTo>
-                  <a:pt x="542441" y="1002250"/>
-                  <a:pt x="535712" y="1524048"/>
-                  <a:pt x="526943" y="2045776"/>
-                </a:cubicBezTo>
-                <a:cubicBezTo>
-                  <a:pt x="526666" y="2062256"/>
-                  <a:pt x="524990" y="2315103"/>
-                  <a:pt x="495946" y="2402237"/>
-                </a:cubicBezTo>
-                <a:cubicBezTo>
-                  <a:pt x="488640" y="2424155"/>
-                  <a:pt x="474333" y="2443119"/>
-                  <a:pt x="464950" y="2464231"/>
-                </a:cubicBezTo>
-                <a:cubicBezTo>
-                  <a:pt x="453651" y="2489653"/>
-                  <a:pt x="443721" y="2515673"/>
-                  <a:pt x="433953" y="2541722"/>
-                </a:cubicBezTo>
-                <a:cubicBezTo>
-                  <a:pt x="428217" y="2557018"/>
-                  <a:pt x="425761" y="2573605"/>
-                  <a:pt x="418455" y="2588217"/>
-                </a:cubicBezTo>
-                <a:cubicBezTo>
-                  <a:pt x="385227" y="2654674"/>
-                  <a:pt x="388949" y="2619511"/>
-                  <a:pt x="340963" y="2681207"/>
-                </a:cubicBezTo>
-                <a:cubicBezTo>
-                  <a:pt x="318092" y="2710613"/>
-                  <a:pt x="305312" y="2747855"/>
-                  <a:pt x="278970" y="2774197"/>
-                </a:cubicBezTo>
-                <a:cubicBezTo>
-                  <a:pt x="247973" y="2805194"/>
-                  <a:pt x="222454" y="2842872"/>
-                  <a:pt x="185980" y="2867187"/>
-                </a:cubicBezTo>
-                <a:cubicBezTo>
-                  <a:pt x="144650" y="2894739"/>
-                  <a:pt x="125118" y="2903370"/>
-                  <a:pt x="92990" y="2944678"/>
-                </a:cubicBezTo>
-                <a:cubicBezTo>
-                  <a:pt x="40626" y="3012004"/>
-                  <a:pt x="33738" y="3032186"/>
-                  <a:pt x="0" y="3099661"/>
-                </a:cubicBezTo>
-                <a:cubicBezTo>
-                  <a:pt x="5166" y="3202983"/>
-                  <a:pt x="9915" y="3306327"/>
-                  <a:pt x="15499" y="3409627"/>
-                </a:cubicBezTo>
-                <a:cubicBezTo>
-                  <a:pt x="26963" y="3621705"/>
-                  <a:pt x="32732" y="3699129"/>
-                  <a:pt x="46495" y="3905573"/>
-                </a:cubicBezTo>
-                <a:cubicBezTo>
-                  <a:pt x="51661" y="4096719"/>
-                  <a:pt x="54033" y="4287960"/>
-                  <a:pt x="61994" y="4479010"/>
-                </a:cubicBezTo>
-                <a:cubicBezTo>
-                  <a:pt x="64370" y="4536022"/>
-                  <a:pt x="77492" y="4649492"/>
-                  <a:pt x="77492" y="4649492"/>
-                </a:cubicBezTo>
-              </a:path>
-            </a:pathLst>
-          </a:custGeom>
-        </p:spPr>
-        <p:style>
-          <a:lnRef idx="3">
-            <a:schemeClr val="accent6"/>
-          </a:lnRef>
-          <a:fillRef idx="0">
-            <a:schemeClr val="accent6"/>
-          </a:fillRef>
-          <a:effectRef idx="2">
-            <a:schemeClr val="accent6"/>
-          </a:effectRef>
-          <a:fontRef idx="minor">
-            <a:schemeClr val="tx1"/>
-          </a:fontRef>
-        </p:style>
-        <p:txBody>
-          <a:bodyPr rtlCol="0" anchor="ctr"/>
-          <a:lstStyle/>
-          <a:p>
-            <a:pPr algn="ctr"/>
-            <a:endParaRPr lang="en-US"/>
           </a:p>
         </p:txBody>
       </p:sp>
@@ -9828,6 +9689,286 @@
           </a:p>
         </p:txBody>
       </p:sp>
+      <p:sp>
+        <p:nvSpPr>
+          <p:cNvPr id="11" name="Freeform 10"/>
+          <p:cNvSpPr/>
+          <p:nvPr/>
+        </p:nvSpPr>
+        <p:spPr>
+          <a:xfrm>
+            <a:off x="1455691" y="785813"/>
+            <a:ext cx="2730547" cy="5075883"/>
+          </a:xfrm>
+          <a:custGeom>
+            <a:avLst/>
+            <a:gdLst>
+              <a:gd name="connsiteX0" fmla="*/ 115934 w 2730547"/>
+              <a:gd name="connsiteY0" fmla="*/ 0 h 5075883"/>
+              <a:gd name="connsiteX1" fmla="*/ 87359 w 2730547"/>
+              <a:gd name="connsiteY1" fmla="*/ 4329112 h 5075883"/>
+              <a:gd name="connsiteX2" fmla="*/ 1087484 w 2730547"/>
+              <a:gd name="connsiteY2" fmla="*/ 4872037 h 5075883"/>
+              <a:gd name="connsiteX3" fmla="*/ 1758997 w 2730547"/>
+              <a:gd name="connsiteY3" fmla="*/ 2128837 h 5075883"/>
+              <a:gd name="connsiteX4" fmla="*/ 2730547 w 2730547"/>
+              <a:gd name="connsiteY4" fmla="*/ 1357312 h 5075883"/>
+            </a:gdLst>
+            <a:ahLst/>
+            <a:cxnLst>
+              <a:cxn ang="0">
+                <a:pos x="connsiteX0" y="connsiteY0"/>
+              </a:cxn>
+              <a:cxn ang="0">
+                <a:pos x="connsiteX1" y="connsiteY1"/>
+              </a:cxn>
+              <a:cxn ang="0">
+                <a:pos x="connsiteX2" y="connsiteY2"/>
+              </a:cxn>
+              <a:cxn ang="0">
+                <a:pos x="connsiteX3" y="connsiteY3"/>
+              </a:cxn>
+              <a:cxn ang="0">
+                <a:pos x="connsiteX4" y="connsiteY4"/>
+              </a:cxn>
+            </a:cxnLst>
+            <a:rect l="l" t="t" r="r" b="b"/>
+            <a:pathLst>
+              <a:path w="2730547" h="5075883">
+                <a:moveTo>
+                  <a:pt x="115934" y="0"/>
+                </a:moveTo>
+                <a:cubicBezTo>
+                  <a:pt x="20684" y="1758553"/>
+                  <a:pt x="-74566" y="3517106"/>
+                  <a:pt x="87359" y="4329112"/>
+                </a:cubicBezTo>
+                <a:cubicBezTo>
+                  <a:pt x="249284" y="5141118"/>
+                  <a:pt x="808878" y="5238749"/>
+                  <a:pt x="1087484" y="4872037"/>
+                </a:cubicBezTo>
+                <a:cubicBezTo>
+                  <a:pt x="1366090" y="4505325"/>
+                  <a:pt x="1485153" y="2714624"/>
+                  <a:pt x="1758997" y="2128837"/>
+                </a:cubicBezTo>
+                <a:cubicBezTo>
+                  <a:pt x="2032841" y="1543050"/>
+                  <a:pt x="2730547" y="1357312"/>
+                  <a:pt x="2730547" y="1357312"/>
+                </a:cubicBezTo>
+              </a:path>
+            </a:pathLst>
+          </a:custGeom>
+        </p:spPr>
+        <p:style>
+          <a:lnRef idx="2">
+            <a:schemeClr val="accent2"/>
+          </a:lnRef>
+          <a:fillRef idx="0">
+            <a:schemeClr val="accent2"/>
+          </a:fillRef>
+          <a:effectRef idx="1">
+            <a:schemeClr val="accent2"/>
+          </a:effectRef>
+          <a:fontRef idx="minor">
+            <a:schemeClr val="tx1"/>
+          </a:fontRef>
+        </p:style>
+        <p:txBody>
+          <a:bodyPr rtlCol="0" anchor="ctr"/>
+          <a:lstStyle/>
+          <a:p>
+            <a:pPr algn="ctr"/>
+            <a:endParaRPr lang="en-US">
+              <a:solidFill>
+                <a:schemeClr val="tx1"/>
+              </a:solidFill>
+            </a:endParaRPr>
+          </a:p>
+        </p:txBody>
+      </p:sp>
+      <p:sp>
+        <p:nvSpPr>
+          <p:cNvPr id="12" name="Freeform 11"/>
+          <p:cNvSpPr/>
+          <p:nvPr/>
+        </p:nvSpPr>
+        <p:spPr>
+          <a:xfrm>
+            <a:off x="4043255" y="1271588"/>
+            <a:ext cx="1946063" cy="4614862"/>
+          </a:xfrm>
+          <a:custGeom>
+            <a:avLst/>
+            <a:gdLst>
+              <a:gd name="connsiteX0" fmla="*/ 1800333 w 1946063"/>
+              <a:gd name="connsiteY0" fmla="*/ 0 h 4614862"/>
+              <a:gd name="connsiteX1" fmla="*/ 1800333 w 1946063"/>
+              <a:gd name="connsiteY1" fmla="*/ 2114550 h 4614862"/>
+              <a:gd name="connsiteX2" fmla="*/ 285858 w 1946063"/>
+              <a:gd name="connsiteY2" fmla="*/ 2686050 h 4614862"/>
+              <a:gd name="connsiteX3" fmla="*/ 108 w 1946063"/>
+              <a:gd name="connsiteY3" fmla="*/ 4614862 h 4614862"/>
+            </a:gdLst>
+            <a:ahLst/>
+            <a:cxnLst>
+              <a:cxn ang="0">
+                <a:pos x="connsiteX0" y="connsiteY0"/>
+              </a:cxn>
+              <a:cxn ang="0">
+                <a:pos x="connsiteX1" y="connsiteY1"/>
+              </a:cxn>
+              <a:cxn ang="0">
+                <a:pos x="connsiteX2" y="connsiteY2"/>
+              </a:cxn>
+              <a:cxn ang="0">
+                <a:pos x="connsiteX3" y="connsiteY3"/>
+              </a:cxn>
+            </a:cxnLst>
+            <a:rect l="l" t="t" r="r" b="b"/>
+            <a:pathLst>
+              <a:path w="1946063" h="4614862">
+                <a:moveTo>
+                  <a:pt x="1800333" y="0"/>
+                </a:moveTo>
+                <a:cubicBezTo>
+                  <a:pt x="1926539" y="833437"/>
+                  <a:pt x="2052746" y="1666875"/>
+                  <a:pt x="1800333" y="2114550"/>
+                </a:cubicBezTo>
+                <a:cubicBezTo>
+                  <a:pt x="1547920" y="2562225"/>
+                  <a:pt x="585895" y="2269331"/>
+                  <a:pt x="285858" y="2686050"/>
+                </a:cubicBezTo>
+                <a:cubicBezTo>
+                  <a:pt x="-14179" y="3102769"/>
+                  <a:pt x="108" y="4614862"/>
+                  <a:pt x="108" y="4614862"/>
+                </a:cubicBezTo>
+              </a:path>
+            </a:pathLst>
+          </a:custGeom>
+        </p:spPr>
+        <p:style>
+          <a:lnRef idx="3">
+            <a:schemeClr val="accent6"/>
+          </a:lnRef>
+          <a:fillRef idx="0">
+            <a:schemeClr val="accent6"/>
+          </a:fillRef>
+          <a:effectRef idx="2">
+            <a:schemeClr val="accent6"/>
+          </a:effectRef>
+          <a:fontRef idx="minor">
+            <a:schemeClr val="tx1"/>
+          </a:fontRef>
+        </p:style>
+        <p:txBody>
+          <a:bodyPr rtlCol="0" anchor="ctr"/>
+          <a:lstStyle/>
+          <a:p>
+            <a:pPr algn="ctr"/>
+            <a:endParaRPr lang="en-US">
+              <a:solidFill>
+                <a:schemeClr val="tx1"/>
+              </a:solidFill>
+            </a:endParaRPr>
+          </a:p>
+        </p:txBody>
+      </p:sp>
+      <p:sp>
+        <p:nvSpPr>
+          <p:cNvPr id="45" name="Freeform 44"/>
+          <p:cNvSpPr/>
+          <p:nvPr/>
+        </p:nvSpPr>
+        <p:spPr>
+          <a:xfrm>
+            <a:off x="5595112" y="1246834"/>
+            <a:ext cx="1117169" cy="4614862"/>
+          </a:xfrm>
+          <a:custGeom>
+            <a:avLst/>
+            <a:gdLst>
+              <a:gd name="connsiteX0" fmla="*/ 1800333 w 1946063"/>
+              <a:gd name="connsiteY0" fmla="*/ 0 h 4614862"/>
+              <a:gd name="connsiteX1" fmla="*/ 1800333 w 1946063"/>
+              <a:gd name="connsiteY1" fmla="*/ 2114550 h 4614862"/>
+              <a:gd name="connsiteX2" fmla="*/ 285858 w 1946063"/>
+              <a:gd name="connsiteY2" fmla="*/ 2686050 h 4614862"/>
+              <a:gd name="connsiteX3" fmla="*/ 108 w 1946063"/>
+              <a:gd name="connsiteY3" fmla="*/ 4614862 h 4614862"/>
+            </a:gdLst>
+            <a:ahLst/>
+            <a:cxnLst>
+              <a:cxn ang="0">
+                <a:pos x="connsiteX0" y="connsiteY0"/>
+              </a:cxn>
+              <a:cxn ang="0">
+                <a:pos x="connsiteX1" y="connsiteY1"/>
+              </a:cxn>
+              <a:cxn ang="0">
+                <a:pos x="connsiteX2" y="connsiteY2"/>
+              </a:cxn>
+              <a:cxn ang="0">
+                <a:pos x="connsiteX3" y="connsiteY3"/>
+              </a:cxn>
+            </a:cxnLst>
+            <a:rect l="l" t="t" r="r" b="b"/>
+            <a:pathLst>
+              <a:path w="1946063" h="4614862">
+                <a:moveTo>
+                  <a:pt x="1800333" y="0"/>
+                </a:moveTo>
+                <a:cubicBezTo>
+                  <a:pt x="1926539" y="833437"/>
+                  <a:pt x="2052746" y="1666875"/>
+                  <a:pt x="1800333" y="2114550"/>
+                </a:cubicBezTo>
+                <a:cubicBezTo>
+                  <a:pt x="1547920" y="2562225"/>
+                  <a:pt x="585895" y="2269331"/>
+                  <a:pt x="285858" y="2686050"/>
+                </a:cubicBezTo>
+                <a:cubicBezTo>
+                  <a:pt x="-14179" y="3102769"/>
+                  <a:pt x="108" y="4614862"/>
+                  <a:pt x="108" y="4614862"/>
+                </a:cubicBezTo>
+              </a:path>
+            </a:pathLst>
+          </a:custGeom>
+        </p:spPr>
+        <p:style>
+          <a:lnRef idx="3">
+            <a:schemeClr val="accent6"/>
+          </a:lnRef>
+          <a:fillRef idx="0">
+            <a:schemeClr val="accent6"/>
+          </a:fillRef>
+          <a:effectRef idx="2">
+            <a:schemeClr val="accent6"/>
+          </a:effectRef>
+          <a:fontRef idx="minor">
+            <a:schemeClr val="tx1"/>
+          </a:fontRef>
+        </p:style>
+        <p:txBody>
+          <a:bodyPr rtlCol="0" anchor="ctr"/>
+          <a:lstStyle/>
+          <a:p>
+            <a:pPr algn="ctr"/>
+            <a:endParaRPr lang="en-US">
+              <a:solidFill>
+                <a:schemeClr val="tx1"/>
+              </a:solidFill>
+            </a:endParaRPr>
+          </a:p>
+        </p:txBody>
+      </p:sp>
     </p:spTree>
     <p:extLst>
       <p:ext uri="{BB962C8B-B14F-4D97-AF65-F5344CB8AC3E}">
@@ -9838,6 +9979,13 @@
   <p:clrMapOvr>
     <a:masterClrMapping/>
   </p:clrMapOvr>
+  <p:timing>
+    <p:tnLst>
+      <p:par>
+        <p:cTn id="1" dur="indefinite" restart="never" nodeType="tmRoot"/>
+      </p:par>
+    </p:tnLst>
+  </p:timing>
 </p:sld>
 </file>
 
@@ -9874,7 +10022,7 @@
         </p:nvGraphicFramePr>
         <p:xfrm>
           <a:off x="381000" y="228600"/>
-          <a:ext cx="8458201" cy="6389605"/>
+          <a:ext cx="8458201" cy="6298165"/>
         </p:xfrm>
         <a:graphic>
           <a:graphicData uri="http://schemas.openxmlformats.org/drawingml/2006/table">
@@ -10213,6 +10361,13 @@
   <p:clrMapOvr>
     <a:masterClrMapping/>
   </p:clrMapOvr>
+  <p:timing>
+    <p:tnLst>
+      <p:par>
+        <p:cTn id="1" dur="indefinite" restart="never" nodeType="tmRoot"/>
+      </p:par>
+    </p:tnLst>
+  </p:timing>
 </p:sld>
 </file>
 
@@ -18035,7 +18190,7 @@
         <p:spPr/>
         <p:txBody>
           <a:bodyPr>
-            <a:normAutofit fontScale="62500" lnSpcReduction="20000"/>
+            <a:normAutofit/>
           </a:bodyPr>
           <a:lstStyle/>
           <a:p>
@@ -18203,7 +18358,7 @@
         <p:spPr/>
         <p:txBody>
           <a:bodyPr>
-            <a:normAutofit fontScale="70000" lnSpcReduction="20000"/>
+            <a:normAutofit/>
           </a:bodyPr>
           <a:lstStyle/>
           <a:p>
@@ -18655,7 +18810,7 @@
         <p:spPr/>
         <p:txBody>
           <a:bodyPr>
-            <a:normAutofit fontScale="92500" lnSpcReduction="20000"/>
+            <a:normAutofit/>
           </a:bodyPr>
           <a:lstStyle/>
           <a:p>
@@ -18824,25 +18979,6 @@
               <a:t>Helper</a:t>
             </a:r>
             <a:endParaRPr lang="en-US" dirty="0"/>
-          </a:p>
-        </p:txBody>
-      </p:sp>
-      <p:sp>
-        <p:nvSpPr>
-          <p:cNvPr id="3" name="Text Placeholder 2"/>
-          <p:cNvSpPr>
-            <a:spLocks noGrp="1"/>
-          </p:cNvSpPr>
-          <p:nvPr>
-            <p:ph type="body" idx="1"/>
-          </p:nvPr>
-        </p:nvSpPr>
-        <p:spPr/>
-        <p:txBody>
-          <a:bodyPr/>
-          <a:lstStyle/>
-          <a:p>
-            <a:endParaRPr lang="en-US"/>
           </a:p>
         </p:txBody>
       </p:sp>
@@ -27347,7 +27483,7 @@
 </file>
 
 <file path=ppt/theme/theme1.xml><?xml version="1.0" encoding="utf-8"?>
-<a:theme xmlns:a="http://schemas.openxmlformats.org/drawingml/2006/main" name="Office Theme">
+<a:theme xmlns:a="http://schemas.openxmlformats.org/drawingml/2006/main" name="SimpleOrangeLinePPT">
   <a:themeElements>
     <a:clrScheme name="Office">
       <a:dk1>
@@ -27421,6 +27557,7 @@
         <a:font script="Mong" typeface="Mongolian Baiti"/>
         <a:font script="Viet" typeface="Times New Roman"/>
         <a:font script="Uigh" typeface="Microsoft Uighur"/>
+        <a:font script="Geor" typeface="Sylfaen"/>
       </a:majorFont>
       <a:minorFont>
         <a:latin typeface="Calibri"/>
@@ -27455,6 +27592,7 @@
         <a:font script="Mong" typeface="Mongolian Baiti"/>
         <a:font script="Viet" typeface="Arial"/>
         <a:font script="Uigh" typeface="Microsoft Uighur"/>
+        <a:font script="Geor" typeface="Sylfaen"/>
       </a:minorFont>
     </a:fontScheme>
     <a:fmtScheme name="Office">
@@ -27626,6 +27764,11 @@
   </a:themeElements>
   <a:objectDefaults/>
   <a:extraClrSchemeLst/>
+  <a:extLst>
+    <a:ext uri="{05A4C25C-085E-4340-85A3-A5531E510DB2}">
+      <thm15:themeFamily xmlns:thm15="http://schemas.microsoft.com/office/thememl/2012/main" name="SimpleOrangeLinePPT" id="{B850F300-3A6F-5E44-B2B2-B19B4711B10F}" vid="{8B58572D-2C56-6F41-98C0-684C2D82D463}"/>
+    </a:ext>
+  </a:extLst>
 </a:theme>
 </file>
 
